--- a/Игра в слова.pptx
+++ b/Игра в слова.pptx
@@ -2,30 +2,30 @@
 <file path=ppt/presentation.xml><?xml version="1.0" encoding="utf-8"?>
 <p:presentation xmlns:a="http://schemas.openxmlformats.org/drawingml/2006/main" xmlns:r="http://schemas.openxmlformats.org/officeDocument/2006/relationships" xmlns:mc="http://schemas.openxmlformats.org/markup-compatibility/2006" xmlns:mv="urn:schemas-microsoft-com:mac:vml" xmlns:p="http://schemas.openxmlformats.org/presentationml/2006/main" xmlns:c="http://schemas.openxmlformats.org/drawingml/2006/chart" xmlns:dgm="http://schemas.openxmlformats.org/drawingml/2006/diagram" xmlns:o="urn:schemas-microsoft-com:office:office" xmlns:v="urn:schemas-microsoft-com:vml" xmlns:pvml="urn:schemas-microsoft-com:office:powerpoint" xmlns:com="http://schemas.openxmlformats.org/drawingml/2006/compatibility" xmlns:p14="http://schemas.microsoft.com/office/powerpoint/2010/main" xmlns:p15="http://schemas.microsoft.com/office/powerpoint/2012/main" xmlns:ahyp="http://schemas.microsoft.com/office/drawing/2018/hyperlinkcolor" autoCompressPictures="0" embedTrueTypeFonts="1" strictFirstAndLastChars="0" saveSubsetFonts="1">
   <p:sldMasterIdLst>
-    <p:sldMasterId id="2147483659" r:id="rId4"/>
+    <p:sldMasterId id="2147483659" r:id="rId5"/>
   </p:sldMasterIdLst>
   <p:notesMasterIdLst>
-    <p:notesMasterId r:id="rId5"/>
+    <p:notesMasterId r:id="rId6"/>
   </p:notesMasterIdLst>
   <p:sldIdLst>
-    <p:sldId id="256" r:id="rId6"/>
-    <p:sldId id="257" r:id="rId7"/>
-    <p:sldId id="258" r:id="rId8"/>
-    <p:sldId id="259" r:id="rId9"/>
-    <p:sldId id="260" r:id="rId10"/>
-    <p:sldId id="261" r:id="rId11"/>
-    <p:sldId id="262" r:id="rId12"/>
-    <p:sldId id="263" r:id="rId13"/>
+    <p:sldId id="256" r:id="rId7"/>
+    <p:sldId id="257" r:id="rId8"/>
+    <p:sldId id="258" r:id="rId9"/>
+    <p:sldId id="259" r:id="rId10"/>
+    <p:sldId id="260" r:id="rId11"/>
+    <p:sldId id="261" r:id="rId12"/>
+    <p:sldId id="262" r:id="rId13"/>
+    <p:sldId id="263" r:id="rId14"/>
   </p:sldIdLst>
   <p:sldSz cy="5143500" cx="9144000"/>
   <p:notesSz cx="6858000" cy="9144000"/>
   <p:embeddedFontLst>
     <p:embeddedFont>
-      <p:font typeface="Roboto Mono"/>
-      <p:regular r:id="rId14"/>
-      <p:bold r:id="rId15"/>
-      <p:italic r:id="rId16"/>
-      <p:boldItalic r:id="rId17"/>
+      <p:font typeface="Montserrat"/>
+      <p:regular r:id="rId15"/>
+      <p:bold r:id="rId16"/>
+      <p:italic r:id="rId17"/>
+      <p:boldItalic r:id="rId18"/>
     </p:embeddedFont>
   </p:embeddedFontLst>
   <p:defaultTextStyle>
@@ -919,7 +919,7 @@
       </p:grpSpPr>
       <p:sp>
         <p:nvSpPr>
-          <p:cNvPr id="66" name="Google Shape;66;g367e82c4b9f_0_17:notes"/>
+          <p:cNvPr id="66" name="Google Shape;66;g367e82c4b9f_0_25:notes"/>
           <p:cNvSpPr/>
           <p:nvPr>
             <p:ph idx="2" type="sldImg"/>
@@ -954,7 +954,7 @@
       </p:sp>
       <p:sp>
         <p:nvSpPr>
-          <p:cNvPr id="67" name="Google Shape;67;g367e82c4b9f_0_17:notes"/>
+          <p:cNvPr id="67" name="Google Shape;67;g367e82c4b9f_0_25:notes"/>
           <p:cNvSpPr txBox="1"/>
           <p:nvPr>
             <p:ph idx="1" type="body"/>
@@ -1004,7 +1004,7 @@
   <p:cSld>
     <p:spTree>
       <p:nvGrpSpPr>
-        <p:cNvPr id="72" name="Shape 72"/>
+        <p:cNvPr id="71" name="Shape 71"/>
         <p:cNvGrpSpPr/>
         <p:nvPr/>
       </p:nvGrpSpPr>
@@ -1018,7 +1018,7 @@
       </p:grpSpPr>
       <p:sp>
         <p:nvSpPr>
-          <p:cNvPr id="73" name="Google Shape;73;g367e82c4b9f_0_25:notes"/>
+          <p:cNvPr id="72" name="Google Shape;72;g33d1482c38b_0_30:notes"/>
           <p:cNvSpPr/>
           <p:nvPr>
             <p:ph idx="2" type="sldImg"/>
@@ -1053,7 +1053,7 @@
       </p:sp>
       <p:sp>
         <p:nvSpPr>
-          <p:cNvPr id="74" name="Google Shape;74;g367e82c4b9f_0_25:notes"/>
+          <p:cNvPr id="73" name="Google Shape;73;g33d1482c38b_0_30:notes"/>
           <p:cNvSpPr txBox="1"/>
           <p:nvPr>
             <p:ph idx="1" type="body"/>
@@ -1103,7 +1103,7 @@
   <p:cSld>
     <p:spTree>
       <p:nvGrpSpPr>
-        <p:cNvPr id="78" name="Shape 78"/>
+        <p:cNvPr id="81" name="Shape 81"/>
         <p:cNvGrpSpPr/>
         <p:nvPr/>
       </p:nvGrpSpPr>
@@ -1117,7 +1117,7 @@
       </p:grpSpPr>
       <p:sp>
         <p:nvSpPr>
-          <p:cNvPr id="79" name="Google Shape;79;g367e82c4b9f_0_32:notes"/>
+          <p:cNvPr id="82" name="Google Shape;82;g367e82c4b9f_0_32:notes"/>
           <p:cNvSpPr/>
           <p:nvPr>
             <p:ph idx="2" type="sldImg"/>
@@ -1152,7 +1152,7 @@
       </p:sp>
       <p:sp>
         <p:nvSpPr>
-          <p:cNvPr id="80" name="Google Shape;80;g367e82c4b9f_0_32:notes"/>
+          <p:cNvPr id="83" name="Google Shape;83;g367e82c4b9f_0_32:notes"/>
           <p:cNvSpPr txBox="1"/>
           <p:nvPr>
             <p:ph idx="1" type="body"/>
@@ -1198,105 +1198,6 @@
 </file>
 
 <file path=ppt/notesSlides/notesSlide6.xml><?xml version="1.0" encoding="utf-8"?>
-<p:notes xmlns:a="http://schemas.openxmlformats.org/drawingml/2006/main" xmlns:r="http://schemas.openxmlformats.org/officeDocument/2006/relationships" xmlns:mc="http://schemas.openxmlformats.org/markup-compatibility/2006" xmlns:mv="urn:schemas-microsoft-com:mac:vml" xmlns:p="http://schemas.openxmlformats.org/presentationml/2006/main" xmlns:c="http://schemas.openxmlformats.org/drawingml/2006/chart" xmlns:dgm="http://schemas.openxmlformats.org/drawingml/2006/diagram" xmlns:o="urn:schemas-microsoft-com:office:office" xmlns:v="urn:schemas-microsoft-com:vml" xmlns:pvml="urn:schemas-microsoft-com:office:powerpoint" xmlns:com="http://schemas.openxmlformats.org/drawingml/2006/compatibility" xmlns:p14="http://schemas.microsoft.com/office/powerpoint/2010/main" xmlns:p15="http://schemas.microsoft.com/office/powerpoint/2012/main" xmlns:ahyp="http://schemas.microsoft.com/office/drawing/2018/hyperlinkcolor" showMasterPhAnim="0" showMasterSp="0">
-  <p:cSld>
-    <p:spTree>
-      <p:nvGrpSpPr>
-        <p:cNvPr id="85" name="Shape 85"/>
-        <p:cNvGrpSpPr/>
-        <p:nvPr/>
-      </p:nvGrpSpPr>
-      <p:grpSpPr>
-        <a:xfrm>
-          <a:off x="0" y="0"/>
-          <a:ext cx="0" cy="0"/>
-          <a:chOff x="0" y="0"/>
-          <a:chExt cx="0" cy="0"/>
-        </a:xfrm>
-      </p:grpSpPr>
-      <p:sp>
-        <p:nvSpPr>
-          <p:cNvPr id="86" name="Google Shape;86;g367e82c4b9f_0_52:notes"/>
-          <p:cNvSpPr/>
-          <p:nvPr>
-            <p:ph idx="2" type="sldImg"/>
-          </p:nvPr>
-        </p:nvSpPr>
-        <p:spPr>
-          <a:xfrm>
-            <a:off x="381300" y="685800"/>
-            <a:ext cx="6096000" cy="3429000"/>
-          </a:xfrm>
-          <a:custGeom>
-            <a:rect b="b" l="l" r="r" t="t"/>
-            <a:pathLst>
-              <a:path extrusionOk="0" h="120000" w="120000">
-                <a:moveTo>
-                  <a:pt x="0" y="0"/>
-                </a:moveTo>
-                <a:lnTo>
-                  <a:pt x="120000" y="0"/>
-                </a:lnTo>
-                <a:lnTo>
-                  <a:pt x="120000" y="120000"/>
-                </a:lnTo>
-                <a:lnTo>
-                  <a:pt x="0" y="120000"/>
-                </a:lnTo>
-                <a:close/>
-              </a:path>
-            </a:pathLst>
-          </a:custGeom>
-        </p:spPr>
-      </p:sp>
-      <p:sp>
-        <p:nvSpPr>
-          <p:cNvPr id="87" name="Google Shape;87;g367e82c4b9f_0_52:notes"/>
-          <p:cNvSpPr txBox="1"/>
-          <p:nvPr>
-            <p:ph idx="1" type="body"/>
-          </p:nvPr>
-        </p:nvSpPr>
-        <p:spPr>
-          <a:xfrm>
-            <a:off x="685800" y="4343400"/>
-            <a:ext cx="5486400" cy="4114800"/>
-          </a:xfrm>
-          <a:prstGeom prst="rect">
-            <a:avLst/>
-          </a:prstGeom>
-        </p:spPr>
-        <p:txBody>
-          <a:bodyPr anchorCtr="0" anchor="t" bIns="91425" lIns="91425" spcFirstLastPara="1" rIns="91425" wrap="square" tIns="91425">
-            <a:noAutofit/>
-          </a:bodyPr>
-          <a:lstStyle/>
-          <a:p>
-            <a:pPr indent="0" lvl="0" marL="0" rtl="0" algn="l">
-              <a:spcBef>
-                <a:spcPts val="0"/>
-              </a:spcBef>
-              <a:spcAft>
-                <a:spcPts val="0"/>
-              </a:spcAft>
-              <a:buNone/>
-            </a:pPr>
-            <a:r>
-              <a:t/>
-            </a:r>
-            <a:endParaRPr/>
-          </a:p>
-        </p:txBody>
-      </p:sp>
-    </p:spTree>
-  </p:cSld>
-  <p:clrMapOvr>
-    <a:masterClrMapping/>
-  </p:clrMapOvr>
-</p:notes>
-</file>
-
-<file path=ppt/notesSlides/notesSlide7.xml><?xml version="1.0" encoding="utf-8"?>
 <p:notes xmlns:a="http://schemas.openxmlformats.org/drawingml/2006/main" xmlns:r="http://schemas.openxmlformats.org/officeDocument/2006/relationships" xmlns:mc="http://schemas.openxmlformats.org/markup-compatibility/2006" xmlns:mv="urn:schemas-microsoft-com:mac:vml" xmlns:p="http://schemas.openxmlformats.org/presentationml/2006/main" xmlns:c="http://schemas.openxmlformats.org/drawingml/2006/chart" xmlns:dgm="http://schemas.openxmlformats.org/drawingml/2006/diagram" xmlns:o="urn:schemas-microsoft-com:office:office" xmlns:v="urn:schemas-microsoft-com:vml" xmlns:pvml="urn:schemas-microsoft-com:office:powerpoint" xmlns:com="http://schemas.openxmlformats.org/drawingml/2006/compatibility" xmlns:p14="http://schemas.microsoft.com/office/powerpoint/2010/main" xmlns:p15="http://schemas.microsoft.com/office/powerpoint/2012/main" xmlns:ahyp="http://schemas.microsoft.com/office/drawing/2018/hyperlinkcolor" showMasterPhAnim="0" showMasterSp="0">
   <p:cSld>
     <p:spTree>
@@ -1395,7 +1296,7 @@
 </p:notes>
 </file>
 
-<file path=ppt/notesSlides/notesSlide8.xml><?xml version="1.0" encoding="utf-8"?>
+<file path=ppt/notesSlides/notesSlide7.xml><?xml version="1.0" encoding="utf-8"?>
 <p:notes xmlns:a="http://schemas.openxmlformats.org/drawingml/2006/main" xmlns:r="http://schemas.openxmlformats.org/officeDocument/2006/relationships" xmlns:mc="http://schemas.openxmlformats.org/markup-compatibility/2006" xmlns:mv="urn:schemas-microsoft-com:mac:vml" xmlns:p="http://schemas.openxmlformats.org/presentationml/2006/main" xmlns:c="http://schemas.openxmlformats.org/drawingml/2006/chart" xmlns:dgm="http://schemas.openxmlformats.org/drawingml/2006/diagram" xmlns:o="urn:schemas-microsoft-com:office:office" xmlns:v="urn:schemas-microsoft-com:vml" xmlns:pvml="urn:schemas-microsoft-com:office:powerpoint" xmlns:com="http://schemas.openxmlformats.org/drawingml/2006/compatibility" xmlns:p14="http://schemas.microsoft.com/office/powerpoint/2010/main" xmlns:p15="http://schemas.microsoft.com/office/powerpoint/2012/main" xmlns:ahyp="http://schemas.microsoft.com/office/drawing/2018/hyperlinkcolor" showMasterPhAnim="0" showMasterSp="0">
   <p:cSld>
     <p:spTree>
@@ -1450,6 +1351,105 @@
       <p:sp>
         <p:nvSpPr>
           <p:cNvPr id="99" name="Google Shape;99;g367e82c4b9f_0_69:notes"/>
+          <p:cNvSpPr txBox="1"/>
+          <p:nvPr>
+            <p:ph idx="1" type="body"/>
+          </p:nvPr>
+        </p:nvSpPr>
+        <p:spPr>
+          <a:xfrm>
+            <a:off x="685800" y="4343400"/>
+            <a:ext cx="5486400" cy="4114800"/>
+          </a:xfrm>
+          <a:prstGeom prst="rect">
+            <a:avLst/>
+          </a:prstGeom>
+        </p:spPr>
+        <p:txBody>
+          <a:bodyPr anchorCtr="0" anchor="t" bIns="91425" lIns="91425" spcFirstLastPara="1" rIns="91425" wrap="square" tIns="91425">
+            <a:noAutofit/>
+          </a:bodyPr>
+          <a:lstStyle/>
+          <a:p>
+            <a:pPr indent="0" lvl="0" marL="0" rtl="0" algn="l">
+              <a:spcBef>
+                <a:spcPts val="0"/>
+              </a:spcBef>
+              <a:spcAft>
+                <a:spcPts val="0"/>
+              </a:spcAft>
+              <a:buNone/>
+            </a:pPr>
+            <a:r>
+              <a:t/>
+            </a:r>
+            <a:endParaRPr/>
+          </a:p>
+        </p:txBody>
+      </p:sp>
+    </p:spTree>
+  </p:cSld>
+  <p:clrMapOvr>
+    <a:masterClrMapping/>
+  </p:clrMapOvr>
+</p:notes>
+</file>
+
+<file path=ppt/notesSlides/notesSlide8.xml><?xml version="1.0" encoding="utf-8"?>
+<p:notes xmlns:a="http://schemas.openxmlformats.org/drawingml/2006/main" xmlns:r="http://schemas.openxmlformats.org/officeDocument/2006/relationships" xmlns:mc="http://schemas.openxmlformats.org/markup-compatibility/2006" xmlns:mv="urn:schemas-microsoft-com:mac:vml" xmlns:p="http://schemas.openxmlformats.org/presentationml/2006/main" xmlns:c="http://schemas.openxmlformats.org/drawingml/2006/chart" xmlns:dgm="http://schemas.openxmlformats.org/drawingml/2006/diagram" xmlns:o="urn:schemas-microsoft-com:office:office" xmlns:v="urn:schemas-microsoft-com:vml" xmlns:pvml="urn:schemas-microsoft-com:office:powerpoint" xmlns:com="http://schemas.openxmlformats.org/drawingml/2006/compatibility" xmlns:p14="http://schemas.microsoft.com/office/powerpoint/2010/main" xmlns:p15="http://schemas.microsoft.com/office/powerpoint/2012/main" xmlns:ahyp="http://schemas.microsoft.com/office/drawing/2018/hyperlinkcolor" showMasterPhAnim="0" showMasterSp="0">
+  <p:cSld>
+    <p:spTree>
+      <p:nvGrpSpPr>
+        <p:cNvPr id="108" name="Shape 108"/>
+        <p:cNvGrpSpPr/>
+        <p:nvPr/>
+      </p:nvGrpSpPr>
+      <p:grpSpPr>
+        <a:xfrm>
+          <a:off x="0" y="0"/>
+          <a:ext cx="0" cy="0"/>
+          <a:chOff x="0" y="0"/>
+          <a:chExt cx="0" cy="0"/>
+        </a:xfrm>
+      </p:grpSpPr>
+      <p:sp>
+        <p:nvSpPr>
+          <p:cNvPr id="109" name="Google Shape;109;g33d1482c38b_0_18:notes"/>
+          <p:cNvSpPr/>
+          <p:nvPr>
+            <p:ph idx="2" type="sldImg"/>
+          </p:nvPr>
+        </p:nvSpPr>
+        <p:spPr>
+          <a:xfrm>
+            <a:off x="381300" y="685800"/>
+            <a:ext cx="6096000" cy="3429000"/>
+          </a:xfrm>
+          <a:custGeom>
+            <a:rect b="b" l="l" r="r" t="t"/>
+            <a:pathLst>
+              <a:path extrusionOk="0" h="120000" w="120000">
+                <a:moveTo>
+                  <a:pt x="0" y="0"/>
+                </a:moveTo>
+                <a:lnTo>
+                  <a:pt x="120000" y="0"/>
+                </a:lnTo>
+                <a:lnTo>
+                  <a:pt x="120000" y="120000"/>
+                </a:lnTo>
+                <a:lnTo>
+                  <a:pt x="0" y="120000"/>
+                </a:lnTo>
+                <a:close/>
+              </a:path>
+            </a:pathLst>
+          </a:custGeom>
+        </p:spPr>
+      </p:sp>
+      <p:sp>
+        <p:nvSpPr>
+          <p:cNvPr id="110" name="Google Shape;110;g33d1482c38b_0_18:notes"/>
           <p:cNvSpPr txBox="1"/>
           <p:nvPr>
             <p:ph idx="1" type="body"/>
@@ -6193,10 +6193,20 @@
               <a:buNone/>
             </a:pPr>
             <a:r>
-              <a:rPr lang="ru"/>
+              <a:rPr b="1" lang="ru">
+                <a:latin typeface="Montserrat"/>
+                <a:ea typeface="Montserrat"/>
+                <a:cs typeface="Montserrat"/>
+                <a:sym typeface="Montserrat"/>
+              </a:rPr>
               <a:t>Игра в слова</a:t>
             </a:r>
-            <a:endParaRPr/>
+            <a:endParaRPr b="1">
+              <a:latin typeface="Montserrat"/>
+              <a:ea typeface="Montserrat"/>
+              <a:cs typeface="Montserrat"/>
+              <a:sym typeface="Montserrat"/>
+            </a:endParaRPr>
           </a:p>
         </p:txBody>
       </p:sp>
@@ -6237,10 +6247,20 @@
               <a:buNone/>
             </a:pPr>
             <a:r>
-              <a:rPr lang="ru" sz="1400"/>
+              <a:rPr lang="ru" sz="1400">
+                <a:latin typeface="Montserrat"/>
+                <a:ea typeface="Montserrat"/>
+                <a:cs typeface="Montserrat"/>
+                <a:sym typeface="Montserrat"/>
+              </a:rPr>
               <a:t>Индивидуальная работа №2 </a:t>
             </a:r>
-            <a:endParaRPr sz="1400"/>
+            <a:endParaRPr sz="1400">
+              <a:latin typeface="Montserrat"/>
+              <a:ea typeface="Montserrat"/>
+              <a:cs typeface="Montserrat"/>
+              <a:sym typeface="Montserrat"/>
+            </a:endParaRPr>
           </a:p>
           <a:p>
             <a:pPr indent="0" lvl="0" marL="0" rtl="0" algn="l">
@@ -6263,6 +6283,10 @@
               <a:solidFill>
                 <a:schemeClr val="dk1"/>
               </a:solidFill>
+              <a:latin typeface="Montserrat"/>
+              <a:ea typeface="Montserrat"/>
+              <a:cs typeface="Montserrat"/>
+              <a:sym typeface="Montserrat"/>
             </a:endParaRPr>
           </a:p>
           <a:p>
@@ -6282,7 +6306,12 @@
             <a:r>
               <a:t/>
             </a:r>
-            <a:endParaRPr sz="1400"/>
+            <a:endParaRPr sz="1400">
+              <a:latin typeface="Montserrat"/>
+              <a:ea typeface="Montserrat"/>
+              <a:cs typeface="Montserrat"/>
+              <a:sym typeface="Montserrat"/>
+            </a:endParaRPr>
           </a:p>
         </p:txBody>
       </p:sp>
@@ -6369,6 +6398,10 @@
                 <a:solidFill>
                   <a:schemeClr val="dk1"/>
                 </a:solidFill>
+                <a:latin typeface="Montserrat"/>
+                <a:ea typeface="Montserrat"/>
+                <a:cs typeface="Montserrat"/>
+                <a:sym typeface="Montserrat"/>
               </a:rPr>
               <a:t>Шутов С.А., группа ИТ-5-2024</a:t>
             </a:r>
@@ -6376,6 +6409,10 @@
               <a:solidFill>
                 <a:schemeClr val="dk1"/>
               </a:solidFill>
+              <a:latin typeface="Montserrat"/>
+              <a:ea typeface="Montserrat"/>
+              <a:cs typeface="Montserrat"/>
+              <a:sym typeface="Montserrat"/>
             </a:endParaRPr>
           </a:p>
         </p:txBody>
@@ -6438,10 +6475,20 @@
               <a:buNone/>
             </a:pPr>
             <a:r>
-              <a:rPr lang="ru"/>
+              <a:rPr b="1" lang="ru">
+                <a:latin typeface="Montserrat"/>
+                <a:ea typeface="Montserrat"/>
+                <a:cs typeface="Montserrat"/>
+                <a:sym typeface="Montserrat"/>
+              </a:rPr>
               <a:t>Постановка задачи</a:t>
             </a:r>
-            <a:endParaRPr/>
+            <a:endParaRPr b="1">
+              <a:latin typeface="Montserrat"/>
+              <a:ea typeface="Montserrat"/>
+              <a:cs typeface="Montserrat"/>
+              <a:sym typeface="Montserrat"/>
+            </a:endParaRPr>
           </a:p>
         </p:txBody>
       </p:sp>
@@ -6486,10 +6533,20 @@
               <a:buNone/>
             </a:pPr>
             <a:r>
-              <a:rPr lang="ru" sz="1600"/>
+              <a:rPr lang="ru" sz="1600">
+                <a:latin typeface="Montserrat"/>
+                <a:ea typeface="Montserrat"/>
+                <a:cs typeface="Montserrat"/>
+                <a:sym typeface="Montserrat"/>
+              </a:rPr>
               <a:t>Дан набор строчных слов русского алфавита, разделённых пробелами</a:t>
             </a:r>
-            <a:endParaRPr sz="1600"/>
+            <a:endParaRPr sz="1600">
+              <a:latin typeface="Montserrat"/>
+              <a:ea typeface="Montserrat"/>
+              <a:cs typeface="Montserrat"/>
+              <a:sym typeface="Montserrat"/>
+            </a:endParaRPr>
           </a:p>
           <a:p>
             <a:pPr indent="0" lvl="0" marL="0" rtl="0" algn="l">
@@ -6510,10 +6567,20 @@
               <a:buNone/>
             </a:pPr>
             <a:r>
-              <a:rPr lang="ru" sz="1600"/>
+              <a:rPr lang="ru" sz="1600">
+                <a:latin typeface="Montserrat"/>
+                <a:ea typeface="Montserrat"/>
+                <a:cs typeface="Montserrat"/>
+                <a:sym typeface="Montserrat"/>
+              </a:rPr>
               <a:t>Нужно составить «цепочку» так, чтобы каждое следующее слово начиналось на букву окончания предыдущего</a:t>
             </a:r>
-            <a:endParaRPr sz="1600"/>
+            <a:endParaRPr sz="1600">
+              <a:latin typeface="Montserrat"/>
+              <a:ea typeface="Montserrat"/>
+              <a:cs typeface="Montserrat"/>
+              <a:sym typeface="Montserrat"/>
+            </a:endParaRPr>
           </a:p>
           <a:p>
             <a:pPr indent="0" lvl="0" marL="0" rtl="0" algn="l">
@@ -6534,10 +6601,20 @@
               <a:buNone/>
             </a:pPr>
             <a:r>
-              <a:rPr lang="ru" sz="1600"/>
+              <a:rPr lang="ru" sz="1600">
+                <a:latin typeface="Montserrat"/>
+                <a:ea typeface="Montserrat"/>
+                <a:cs typeface="Montserrat"/>
+                <a:sym typeface="Montserrat"/>
+              </a:rPr>
               <a:t>Окончание на «ь» учитывается как предпоследняя буква</a:t>
             </a:r>
-            <a:endParaRPr sz="1600"/>
+            <a:endParaRPr sz="1600">
+              <a:latin typeface="Montserrat"/>
+              <a:ea typeface="Montserrat"/>
+              <a:cs typeface="Montserrat"/>
+              <a:sym typeface="Montserrat"/>
+            </a:endParaRPr>
           </a:p>
           <a:p>
             <a:pPr indent="0" lvl="0" marL="0" rtl="0" algn="l">
@@ -6558,10 +6635,20 @@
               <a:buNone/>
             </a:pPr>
             <a:r>
-              <a:rPr lang="ru" sz="1600"/>
+              <a:rPr lang="ru" sz="1600">
+                <a:latin typeface="Montserrat"/>
+                <a:ea typeface="Montserrat"/>
+                <a:cs typeface="Montserrat"/>
+                <a:sym typeface="Montserrat"/>
+              </a:rPr>
               <a:t>Цепочка должна замыкаться: последний элемент → первая буква первого слова</a:t>
             </a:r>
-            <a:endParaRPr sz="1600"/>
+            <a:endParaRPr sz="1600">
+              <a:latin typeface="Montserrat"/>
+              <a:ea typeface="Montserrat"/>
+              <a:cs typeface="Montserrat"/>
+              <a:sym typeface="Montserrat"/>
+            </a:endParaRPr>
           </a:p>
           <a:p>
             <a:pPr indent="0" lvl="0" marL="0" rtl="0" algn="l">
@@ -6582,10 +6669,20 @@
               <a:buNone/>
             </a:pPr>
             <a:r>
-              <a:rPr lang="ru" sz="1600"/>
+              <a:rPr lang="ru" sz="1600">
+                <a:latin typeface="Montserrat"/>
+                <a:ea typeface="Montserrat"/>
+                <a:cs typeface="Montserrat"/>
+                <a:sym typeface="Montserrat"/>
+              </a:rPr>
               <a:t>Вывести любую корректную цепочку или сообщить об отсутствии решения</a:t>
             </a:r>
-            <a:endParaRPr sz="1600"/>
+            <a:endParaRPr sz="1600">
+              <a:latin typeface="Montserrat"/>
+              <a:ea typeface="Montserrat"/>
+              <a:cs typeface="Montserrat"/>
+              <a:sym typeface="Montserrat"/>
+            </a:endParaRPr>
           </a:p>
           <a:p>
             <a:pPr indent="0" lvl="0" marL="0" rtl="0" algn="l">
@@ -6600,7 +6697,12 @@
             <a:r>
               <a:t/>
             </a:r>
-            <a:endParaRPr/>
+            <a:endParaRPr>
+              <a:latin typeface="Montserrat"/>
+              <a:ea typeface="Montserrat"/>
+              <a:cs typeface="Montserrat"/>
+              <a:sym typeface="Montserrat"/>
+            </a:endParaRPr>
           </a:p>
         </p:txBody>
       </p:sp>
@@ -6704,195 +6806,677 @@
               <a:buNone/>
             </a:pPr>
             <a:r>
-              <a:rPr lang="ru"/>
-              <a:t>Ключевая идея</a:t>
+              <a:rPr b="1" lang="ru">
+                <a:latin typeface="Montserrat"/>
+                <a:ea typeface="Montserrat"/>
+                <a:cs typeface="Montserrat"/>
+                <a:sym typeface="Montserrat"/>
+              </a:rPr>
+              <a:t>Структуры данных</a:t>
             </a:r>
-            <a:endParaRPr/>
+            <a:endParaRPr b="1">
+              <a:latin typeface="Montserrat"/>
+              <a:ea typeface="Montserrat"/>
+              <a:cs typeface="Montserrat"/>
+              <a:sym typeface="Montserrat"/>
+            </a:endParaRPr>
           </a:p>
         </p:txBody>
       </p:sp>
-      <p:sp>
-        <p:nvSpPr>
+      <p:graphicFrame>
+        <p:nvGraphicFramePr>
           <p:cNvPr id="70" name="Google Shape;70;p15"/>
-          <p:cNvSpPr txBox="1"/>
-          <p:nvPr>
-            <p:ph idx="1" type="body"/>
-          </p:nvPr>
-        </p:nvSpPr>
-        <p:spPr>
-          <a:xfrm>
-            <a:off x="311700" y="1152475"/>
-            <a:ext cx="5368800" cy="3416400"/>
-          </a:xfrm>
-          <a:prstGeom prst="rect">
-            <a:avLst/>
-          </a:prstGeom>
-        </p:spPr>
-        <p:txBody>
-          <a:bodyPr anchorCtr="0" anchor="t" bIns="91425" lIns="91425" spcFirstLastPara="1" rIns="91425" wrap="square" tIns="91425">
-            <a:normAutofit fontScale="85000" lnSpcReduction="20000"/>
-          </a:bodyPr>
-          <a:lstStyle/>
-          <a:p>
-            <a:pPr indent="-287972" lvl="0" marL="457200" rtl="0" algn="l">
-              <a:spcBef>
-                <a:spcPts val="1200"/>
-              </a:spcBef>
-              <a:spcAft>
-                <a:spcPts val="0"/>
-              </a:spcAft>
-              <a:buClr>
-                <a:schemeClr val="dk1"/>
-              </a:buClr>
-              <a:buSzPct val="61111"/>
-              <a:buChar char="●"/>
-            </a:pPr>
-            <a:r>
-              <a:rPr lang="ru"/>
-              <a:t>Представляем слова как ориентированные рёбра в графе:</a:t>
-            </a:r>
-            <a:br>
-              <a:rPr lang="ru"/>
-            </a:br>
-            <a:endParaRPr/>
-          </a:p>
-          <a:p>
-            <a:pPr indent="-287972" lvl="1" marL="914400" rtl="0" algn="l">
-              <a:spcBef>
-                <a:spcPts val="0"/>
-              </a:spcBef>
-              <a:spcAft>
-                <a:spcPts val="0"/>
-              </a:spcAft>
-              <a:buClr>
-                <a:schemeClr val="dk1"/>
-              </a:buClr>
-              <a:buSzPct val="78571"/>
-              <a:buChar char="○"/>
-            </a:pPr>
-            <a:r>
-              <a:rPr lang="ru"/>
-              <a:t>вершины – буквы</a:t>
-            </a:r>
-            <a:br>
-              <a:rPr lang="ru"/>
-            </a:br>
-            <a:endParaRPr/>
-          </a:p>
-          <a:p>
-            <a:pPr indent="-287972" lvl="1" marL="914400" rtl="0" algn="l">
-              <a:spcBef>
-                <a:spcPts val="0"/>
-              </a:spcBef>
-              <a:spcAft>
-                <a:spcPts val="0"/>
-              </a:spcAft>
-              <a:buClr>
-                <a:schemeClr val="dk1"/>
-              </a:buClr>
-              <a:buSzPct val="78571"/>
-              <a:buChar char="○"/>
-            </a:pPr>
-            <a:r>
-              <a:rPr lang="ru"/>
-              <a:t>ребро (u→v) – слово, начинающееся на u и заканчивающееся на v</a:t>
-            </a:r>
-            <a:br>
-              <a:rPr lang="ru"/>
-            </a:br>
-            <a:endParaRPr/>
-          </a:p>
-          <a:p>
-            <a:pPr indent="-287972" lvl="0" marL="457200" rtl="0" algn="l">
-              <a:spcBef>
-                <a:spcPts val="0"/>
-              </a:spcBef>
-              <a:spcAft>
-                <a:spcPts val="0"/>
-              </a:spcAft>
-              <a:buClr>
-                <a:schemeClr val="dk1"/>
-              </a:buClr>
-              <a:buSzPct val="61111"/>
-              <a:buChar char="●"/>
-            </a:pPr>
-            <a:r>
-              <a:rPr lang="ru"/>
-              <a:t>Задача превращается в поиск эйлерова цикла по всем рёбрам</a:t>
-            </a:r>
-            <a:br>
-              <a:rPr lang="ru"/>
-            </a:br>
-            <a:endParaRPr/>
-          </a:p>
-          <a:p>
-            <a:pPr indent="-287972" lvl="0" marL="457200" rtl="0" algn="l">
-              <a:spcBef>
-                <a:spcPts val="0"/>
-              </a:spcBef>
-              <a:spcAft>
-                <a:spcPts val="0"/>
-              </a:spcAft>
-              <a:buClr>
-                <a:schemeClr val="dk1"/>
-              </a:buClr>
-              <a:buSzPct val="61111"/>
-              <a:buChar char="●"/>
-            </a:pPr>
-            <a:r>
-              <a:rPr lang="ru"/>
-              <a:t>Используем DFS с бэктрекингом для нахождения одной замкнутой цепочки</a:t>
-            </a:r>
-            <a:br>
-              <a:rPr lang="ru"/>
-            </a:br>
-            <a:endParaRPr/>
-          </a:p>
-          <a:p>
-            <a:pPr indent="0" lvl="0" marL="0" rtl="0" algn="l">
-              <a:spcBef>
-                <a:spcPts val="1200"/>
-              </a:spcBef>
-              <a:spcAft>
-                <a:spcPts val="1200"/>
-              </a:spcAft>
-              <a:buNone/>
-            </a:pPr>
-            <a:r>
-              <a:t/>
-            </a:r>
-            <a:endParaRPr/>
-          </a:p>
-        </p:txBody>
-      </p:sp>
-      <p:pic>
-        <p:nvPicPr>
-          <p:cNvPr id="71" name="Google Shape;71;p15"/>
-          <p:cNvPicPr preferRelativeResize="0"/>
+          <p:cNvGraphicFramePr/>
           <p:nvPr/>
-        </p:nvPicPr>
-        <p:blipFill>
-          <a:blip r:embed="rId3">
-            <a:alphaModFix/>
-          </a:blip>
-          <a:stretch>
-            <a:fillRect/>
-          </a:stretch>
-        </p:blipFill>
-        <p:spPr>
-          <a:xfrm>
-            <a:off x="5680450" y="970275"/>
-            <a:ext cx="3371850" cy="3371850"/>
-          </a:xfrm>
-          <a:prstGeom prst="rect">
-            <a:avLst/>
-          </a:prstGeom>
-          <a:noFill/>
-          <a:ln>
-            <a:noFill/>
-          </a:ln>
-        </p:spPr>
-      </p:pic>
+        </p:nvGraphicFramePr>
+        <p:xfrm>
+          <a:off x="536225" y="1362150"/>
+          <a:ext cx="3000000" cy="3000000"/>
+        </p:xfrm>
+        <a:graphic>
+          <a:graphicData uri="http://schemas.openxmlformats.org/drawingml/2006/table">
+            <a:tbl>
+              <a:tblPr>
+                <a:noFill/>
+                <a:tableStyleId>{BC402306-1587-4A36-8E95-DF2BAF97CC9C}</a:tableStyleId>
+              </a:tblPr>
+              <a:tblGrid>
+                <a:gridCol w="1498125"/>
+                <a:gridCol w="4319800"/>
+                <a:gridCol w="2578450"/>
+              </a:tblGrid>
+              <a:tr h="200025">
+                <a:tc>
+                  <a:txBody>
+                    <a:bodyPr/>
+                    <a:lstStyle/>
+                    <a:p>
+                      <a:pPr indent="0" lvl="0" marL="0" rtl="0" algn="ctr">
+                        <a:lnSpc>
+                          <a:spcPct val="115000"/>
+                        </a:lnSpc>
+                        <a:spcBef>
+                          <a:spcPts val="0"/>
+                        </a:spcBef>
+                        <a:spcAft>
+                          <a:spcPts val="0"/>
+                        </a:spcAft>
+                        <a:buNone/>
+                      </a:pPr>
+                      <a:r>
+                        <a:rPr b="1" lang="ru">
+                          <a:solidFill>
+                            <a:schemeClr val="dk1"/>
+                          </a:solidFill>
+                          <a:latin typeface="Montserrat"/>
+                          <a:ea typeface="Montserrat"/>
+                          <a:cs typeface="Montserrat"/>
+                          <a:sym typeface="Montserrat"/>
+                        </a:rPr>
+                        <a:t>Переменная</a:t>
+                      </a:r>
+                      <a:endParaRPr b="1">
+                        <a:solidFill>
+                          <a:schemeClr val="dk1"/>
+                        </a:solidFill>
+                        <a:latin typeface="Montserrat"/>
+                        <a:ea typeface="Montserrat"/>
+                        <a:cs typeface="Montserrat"/>
+                        <a:sym typeface="Montserrat"/>
+                      </a:endParaRPr>
+                    </a:p>
+                  </a:txBody>
+                  <a:tcPr marT="91425" marB="91425" marR="91425" marL="91425"/>
+                </a:tc>
+                <a:tc>
+                  <a:txBody>
+                    <a:bodyPr/>
+                    <a:lstStyle/>
+                    <a:p>
+                      <a:pPr indent="0" lvl="0" marL="0" rtl="0" algn="ctr">
+                        <a:lnSpc>
+                          <a:spcPct val="115000"/>
+                        </a:lnSpc>
+                        <a:spcBef>
+                          <a:spcPts val="0"/>
+                        </a:spcBef>
+                        <a:spcAft>
+                          <a:spcPts val="0"/>
+                        </a:spcAft>
+                        <a:buNone/>
+                      </a:pPr>
+                      <a:r>
+                        <a:rPr b="1" lang="ru">
+                          <a:solidFill>
+                            <a:schemeClr val="dk1"/>
+                          </a:solidFill>
+                          <a:latin typeface="Montserrat"/>
+                          <a:ea typeface="Montserrat"/>
+                          <a:cs typeface="Montserrat"/>
+                          <a:sym typeface="Montserrat"/>
+                        </a:rPr>
+                        <a:t>Содержит</a:t>
+                      </a:r>
+                      <a:endParaRPr b="1">
+                        <a:solidFill>
+                          <a:schemeClr val="dk1"/>
+                        </a:solidFill>
+                        <a:latin typeface="Montserrat"/>
+                        <a:ea typeface="Montserrat"/>
+                        <a:cs typeface="Montserrat"/>
+                        <a:sym typeface="Montserrat"/>
+                      </a:endParaRPr>
+                    </a:p>
+                  </a:txBody>
+                  <a:tcPr marT="91425" marB="91425" marR="91425" marL="91425"/>
+                </a:tc>
+                <a:tc>
+                  <a:txBody>
+                    <a:bodyPr/>
+                    <a:lstStyle/>
+                    <a:p>
+                      <a:pPr indent="0" lvl="0" marL="0" rtl="0" algn="ctr">
+                        <a:lnSpc>
+                          <a:spcPct val="115000"/>
+                        </a:lnSpc>
+                        <a:spcBef>
+                          <a:spcPts val="0"/>
+                        </a:spcBef>
+                        <a:spcAft>
+                          <a:spcPts val="0"/>
+                        </a:spcAft>
+                        <a:buNone/>
+                      </a:pPr>
+                      <a:r>
+                        <a:rPr b="1" lang="ru">
+                          <a:solidFill>
+                            <a:schemeClr val="dk1"/>
+                          </a:solidFill>
+                          <a:latin typeface="Montserrat"/>
+                          <a:ea typeface="Montserrat"/>
+                          <a:cs typeface="Montserrat"/>
+                          <a:sym typeface="Montserrat"/>
+                        </a:rPr>
+                        <a:t>Тип</a:t>
+                      </a:r>
+                      <a:endParaRPr b="1">
+                        <a:solidFill>
+                          <a:schemeClr val="dk1"/>
+                        </a:solidFill>
+                        <a:latin typeface="Montserrat"/>
+                        <a:ea typeface="Montserrat"/>
+                        <a:cs typeface="Montserrat"/>
+                        <a:sym typeface="Montserrat"/>
+                      </a:endParaRPr>
+                    </a:p>
+                  </a:txBody>
+                  <a:tcPr marT="91425" marB="91425" marR="91425" marL="91425"/>
+                </a:tc>
+              </a:tr>
+              <a:tr h="200025">
+                <a:tc>
+                  <a:txBody>
+                    <a:bodyPr/>
+                    <a:lstStyle/>
+                    <a:p>
+                      <a:pPr indent="0" lvl="0" marL="0" rtl="0" algn="l">
+                        <a:spcBef>
+                          <a:spcPts val="0"/>
+                        </a:spcBef>
+                        <a:spcAft>
+                          <a:spcPts val="0"/>
+                        </a:spcAft>
+                        <a:buNone/>
+                      </a:pPr>
+                      <a:r>
+                        <a:rPr lang="ru" sz="1100">
+                          <a:solidFill>
+                            <a:schemeClr val="dk1"/>
+                          </a:solidFill>
+                          <a:latin typeface="Montserrat"/>
+                          <a:ea typeface="Montserrat"/>
+                          <a:cs typeface="Montserrat"/>
+                          <a:sym typeface="Montserrat"/>
+                        </a:rPr>
+                        <a:t>self.words</a:t>
+                      </a:r>
+                      <a:endParaRPr sz="1100">
+                        <a:solidFill>
+                          <a:schemeClr val="dk1"/>
+                        </a:solidFill>
+                        <a:latin typeface="Montserrat"/>
+                        <a:ea typeface="Montserrat"/>
+                        <a:cs typeface="Montserrat"/>
+                        <a:sym typeface="Montserrat"/>
+                      </a:endParaRPr>
+                    </a:p>
+                  </a:txBody>
+                  <a:tcPr marT="91425" marB="91425" marR="91425" marL="91425"/>
+                </a:tc>
+                <a:tc>
+                  <a:txBody>
+                    <a:bodyPr/>
+                    <a:lstStyle/>
+                    <a:p>
+                      <a:pPr indent="0" lvl="0" marL="0" rtl="0" algn="l">
+                        <a:spcBef>
+                          <a:spcPts val="0"/>
+                        </a:spcBef>
+                        <a:spcAft>
+                          <a:spcPts val="0"/>
+                        </a:spcAft>
+                        <a:buNone/>
+                      </a:pPr>
+                      <a:r>
+                        <a:rPr lang="ru">
+                          <a:solidFill>
+                            <a:schemeClr val="dk1"/>
+                          </a:solidFill>
+                          <a:latin typeface="Montserrat"/>
+                          <a:ea typeface="Montserrat"/>
+                          <a:cs typeface="Montserrat"/>
+                          <a:sym typeface="Montserrat"/>
+                        </a:rPr>
+                        <a:t>Список введённых слов</a:t>
+                      </a:r>
+                      <a:endParaRPr>
+                        <a:solidFill>
+                          <a:schemeClr val="dk1"/>
+                        </a:solidFill>
+                        <a:latin typeface="Montserrat"/>
+                        <a:ea typeface="Montserrat"/>
+                        <a:cs typeface="Montserrat"/>
+                        <a:sym typeface="Montserrat"/>
+                      </a:endParaRPr>
+                    </a:p>
+                  </a:txBody>
+                  <a:tcPr marT="91425" marB="91425" marR="91425" marL="91425"/>
+                </a:tc>
+                <a:tc>
+                  <a:txBody>
+                    <a:bodyPr/>
+                    <a:lstStyle/>
+                    <a:p>
+                      <a:pPr indent="0" lvl="0" marL="0" rtl="0" algn="l">
+                        <a:spcBef>
+                          <a:spcPts val="0"/>
+                        </a:spcBef>
+                        <a:spcAft>
+                          <a:spcPts val="0"/>
+                        </a:spcAft>
+                        <a:buNone/>
+                      </a:pPr>
+                      <a:r>
+                        <a:rPr lang="ru" sz="1100">
+                          <a:solidFill>
+                            <a:schemeClr val="dk1"/>
+                          </a:solidFill>
+                          <a:latin typeface="Montserrat"/>
+                          <a:ea typeface="Montserrat"/>
+                          <a:cs typeface="Montserrat"/>
+                          <a:sym typeface="Montserrat"/>
+                        </a:rPr>
+                        <a:t>stack</a:t>
+                      </a:r>
+                      <a:r>
+                        <a:rPr lang="ru" sz="1100">
+                          <a:solidFill>
+                            <a:schemeClr val="dk1"/>
+                          </a:solidFill>
+                          <a:latin typeface="Montserrat"/>
+                          <a:ea typeface="Montserrat"/>
+                          <a:cs typeface="Montserrat"/>
+                          <a:sym typeface="Montserrat"/>
+                        </a:rPr>
+                        <a:t>[str]</a:t>
+                      </a:r>
+                      <a:endParaRPr sz="1100">
+                        <a:solidFill>
+                          <a:schemeClr val="dk1"/>
+                        </a:solidFill>
+                        <a:latin typeface="Montserrat"/>
+                        <a:ea typeface="Montserrat"/>
+                        <a:cs typeface="Montserrat"/>
+                        <a:sym typeface="Montserrat"/>
+                      </a:endParaRPr>
+                    </a:p>
+                  </a:txBody>
+                  <a:tcPr marT="91425" marB="91425" marR="91425" marL="91425"/>
+                </a:tc>
+              </a:tr>
+              <a:tr h="247650">
+                <a:tc>
+                  <a:txBody>
+                    <a:bodyPr/>
+                    <a:lstStyle/>
+                    <a:p>
+                      <a:pPr indent="0" lvl="0" marL="0" rtl="0" algn="l">
+                        <a:spcBef>
+                          <a:spcPts val="0"/>
+                        </a:spcBef>
+                        <a:spcAft>
+                          <a:spcPts val="0"/>
+                        </a:spcAft>
+                        <a:buNone/>
+                      </a:pPr>
+                      <a:r>
+                        <a:rPr lang="ru" sz="1100">
+                          <a:solidFill>
+                            <a:schemeClr val="dk1"/>
+                          </a:solidFill>
+                          <a:latin typeface="Montserrat"/>
+                          <a:ea typeface="Montserrat"/>
+                          <a:cs typeface="Montserrat"/>
+                          <a:sym typeface="Montserrat"/>
+                        </a:rPr>
+                        <a:t>self.graph</a:t>
+                      </a:r>
+                      <a:endParaRPr sz="1100">
+                        <a:solidFill>
+                          <a:schemeClr val="dk1"/>
+                        </a:solidFill>
+                        <a:latin typeface="Montserrat"/>
+                        <a:ea typeface="Montserrat"/>
+                        <a:cs typeface="Montserrat"/>
+                        <a:sym typeface="Montserrat"/>
+                      </a:endParaRPr>
+                    </a:p>
+                  </a:txBody>
+                  <a:tcPr marT="91425" marB="91425" marR="91425" marL="91425"/>
+                </a:tc>
+                <a:tc>
+                  <a:txBody>
+                    <a:bodyPr/>
+                    <a:lstStyle/>
+                    <a:p>
+                      <a:pPr indent="0" lvl="0" marL="0" rtl="0" algn="l">
+                        <a:spcBef>
+                          <a:spcPts val="0"/>
+                        </a:spcBef>
+                        <a:spcAft>
+                          <a:spcPts val="0"/>
+                        </a:spcAft>
+                        <a:buNone/>
+                      </a:pPr>
+                      <a:r>
+                        <a:rPr lang="ru">
+                          <a:solidFill>
+                            <a:schemeClr val="dk1"/>
+                          </a:solidFill>
+                          <a:latin typeface="Montserrat"/>
+                          <a:ea typeface="Montserrat"/>
+                          <a:cs typeface="Montserrat"/>
+                          <a:sym typeface="Montserrat"/>
+                        </a:rPr>
+                        <a:t>Словарь: первая буква → список индексов слов</a:t>
+                      </a:r>
+                      <a:endParaRPr>
+                        <a:solidFill>
+                          <a:schemeClr val="dk1"/>
+                        </a:solidFill>
+                        <a:latin typeface="Montserrat"/>
+                        <a:ea typeface="Montserrat"/>
+                        <a:cs typeface="Montserrat"/>
+                        <a:sym typeface="Montserrat"/>
+                      </a:endParaRPr>
+                    </a:p>
+                  </a:txBody>
+                  <a:tcPr marT="91425" marB="91425" marR="91425" marL="91425"/>
+                </a:tc>
+                <a:tc>
+                  <a:txBody>
+                    <a:bodyPr/>
+                    <a:lstStyle/>
+                    <a:p>
+                      <a:pPr indent="0" lvl="0" marL="0" rtl="0" algn="l">
+                        <a:spcBef>
+                          <a:spcPts val="0"/>
+                        </a:spcBef>
+                        <a:spcAft>
+                          <a:spcPts val="0"/>
+                        </a:spcAft>
+                        <a:buNone/>
+                      </a:pPr>
+                      <a:r>
+                        <a:rPr lang="ru" sz="1100">
+                          <a:solidFill>
+                            <a:schemeClr val="dk1"/>
+                          </a:solidFill>
+                          <a:latin typeface="Montserrat"/>
+                          <a:ea typeface="Montserrat"/>
+                          <a:cs typeface="Montserrat"/>
+                          <a:sym typeface="Montserrat"/>
+                        </a:rPr>
+                        <a:t>dict[str, list[int]]</a:t>
+                      </a:r>
+                      <a:endParaRPr sz="1100">
+                        <a:solidFill>
+                          <a:schemeClr val="dk1"/>
+                        </a:solidFill>
+                        <a:latin typeface="Montserrat"/>
+                        <a:ea typeface="Montserrat"/>
+                        <a:cs typeface="Montserrat"/>
+                        <a:sym typeface="Montserrat"/>
+                      </a:endParaRPr>
+                    </a:p>
+                  </a:txBody>
+                  <a:tcPr marT="91425" marB="91425" marR="91425" marL="91425"/>
+                </a:tc>
+              </a:tr>
+              <a:tr h="200025">
+                <a:tc>
+                  <a:txBody>
+                    <a:bodyPr/>
+                    <a:lstStyle/>
+                    <a:p>
+                      <a:pPr indent="0" lvl="0" marL="0" rtl="0" algn="l">
+                        <a:spcBef>
+                          <a:spcPts val="0"/>
+                        </a:spcBef>
+                        <a:spcAft>
+                          <a:spcPts val="0"/>
+                        </a:spcAft>
+                        <a:buNone/>
+                      </a:pPr>
+                      <a:r>
+                        <a:rPr lang="ru" sz="1100">
+                          <a:solidFill>
+                            <a:schemeClr val="dk1"/>
+                          </a:solidFill>
+                          <a:latin typeface="Montserrat"/>
+                          <a:ea typeface="Montserrat"/>
+                          <a:cs typeface="Montserrat"/>
+                          <a:sym typeface="Montserrat"/>
+                        </a:rPr>
+                        <a:t>used</a:t>
+                      </a:r>
+                      <a:endParaRPr sz="1100">
+                        <a:solidFill>
+                          <a:schemeClr val="dk1"/>
+                        </a:solidFill>
+                        <a:latin typeface="Montserrat"/>
+                        <a:ea typeface="Montserrat"/>
+                        <a:cs typeface="Montserrat"/>
+                        <a:sym typeface="Montserrat"/>
+                      </a:endParaRPr>
+                    </a:p>
+                  </a:txBody>
+                  <a:tcPr marT="91425" marB="91425" marR="91425" marL="91425"/>
+                </a:tc>
+                <a:tc>
+                  <a:txBody>
+                    <a:bodyPr/>
+                    <a:lstStyle/>
+                    <a:p>
+                      <a:pPr indent="0" lvl="0" marL="0" rtl="0" algn="l">
+                        <a:spcBef>
+                          <a:spcPts val="0"/>
+                        </a:spcBef>
+                        <a:spcAft>
+                          <a:spcPts val="0"/>
+                        </a:spcAft>
+                        <a:buNone/>
+                      </a:pPr>
+                      <a:r>
+                        <a:rPr lang="ru">
+                          <a:solidFill>
+                            <a:schemeClr val="dk1"/>
+                          </a:solidFill>
+                          <a:latin typeface="Montserrat"/>
+                          <a:ea typeface="Montserrat"/>
+                          <a:cs typeface="Montserrat"/>
+                          <a:sym typeface="Montserrat"/>
+                        </a:rPr>
+                        <a:t>Набор уже пройденных индексов</a:t>
+                      </a:r>
+                      <a:endParaRPr>
+                        <a:solidFill>
+                          <a:schemeClr val="dk1"/>
+                        </a:solidFill>
+                        <a:latin typeface="Montserrat"/>
+                        <a:ea typeface="Montserrat"/>
+                        <a:cs typeface="Montserrat"/>
+                        <a:sym typeface="Montserrat"/>
+                      </a:endParaRPr>
+                    </a:p>
+                  </a:txBody>
+                  <a:tcPr marT="91425" marB="91425" marR="91425" marL="91425"/>
+                </a:tc>
+                <a:tc>
+                  <a:txBody>
+                    <a:bodyPr/>
+                    <a:lstStyle/>
+                    <a:p>
+                      <a:pPr indent="0" lvl="0" marL="0" rtl="0" algn="l">
+                        <a:spcBef>
+                          <a:spcPts val="0"/>
+                        </a:spcBef>
+                        <a:spcAft>
+                          <a:spcPts val="0"/>
+                        </a:spcAft>
+                        <a:buNone/>
+                      </a:pPr>
+                      <a:r>
+                        <a:rPr lang="ru" sz="1100">
+                          <a:solidFill>
+                            <a:schemeClr val="dk1"/>
+                          </a:solidFill>
+                          <a:latin typeface="Montserrat"/>
+                          <a:ea typeface="Montserrat"/>
+                          <a:cs typeface="Montserrat"/>
+                          <a:sym typeface="Montserrat"/>
+                        </a:rPr>
+                        <a:t>set[int]</a:t>
+                      </a:r>
+                      <a:endParaRPr sz="1100">
+                        <a:solidFill>
+                          <a:schemeClr val="dk1"/>
+                        </a:solidFill>
+                        <a:latin typeface="Montserrat"/>
+                        <a:ea typeface="Montserrat"/>
+                        <a:cs typeface="Montserrat"/>
+                        <a:sym typeface="Montserrat"/>
+                      </a:endParaRPr>
+                    </a:p>
+                  </a:txBody>
+                  <a:tcPr marT="91425" marB="91425" marR="91425" marL="91425"/>
+                </a:tc>
+              </a:tr>
+              <a:tr h="200025">
+                <a:tc>
+                  <a:txBody>
+                    <a:bodyPr/>
+                    <a:lstStyle/>
+                    <a:p>
+                      <a:pPr indent="0" lvl="0" marL="0" rtl="0" algn="l">
+                        <a:spcBef>
+                          <a:spcPts val="0"/>
+                        </a:spcBef>
+                        <a:spcAft>
+                          <a:spcPts val="0"/>
+                        </a:spcAft>
+                        <a:buNone/>
+                      </a:pPr>
+                      <a:r>
+                        <a:rPr lang="ru" sz="1100">
+                          <a:solidFill>
+                            <a:schemeClr val="dk1"/>
+                          </a:solidFill>
+                          <a:latin typeface="Montserrat"/>
+                          <a:ea typeface="Montserrat"/>
+                          <a:cs typeface="Montserrat"/>
+                          <a:sym typeface="Montserrat"/>
+                        </a:rPr>
+                        <a:t>path</a:t>
+                      </a:r>
+                      <a:endParaRPr sz="1100">
+                        <a:solidFill>
+                          <a:schemeClr val="dk1"/>
+                        </a:solidFill>
+                        <a:latin typeface="Montserrat"/>
+                        <a:ea typeface="Montserrat"/>
+                        <a:cs typeface="Montserrat"/>
+                        <a:sym typeface="Montserrat"/>
+                      </a:endParaRPr>
+                    </a:p>
+                  </a:txBody>
+                  <a:tcPr marT="91425" marB="91425" marR="91425" marL="91425"/>
+                </a:tc>
+                <a:tc>
+                  <a:txBody>
+                    <a:bodyPr/>
+                    <a:lstStyle/>
+                    <a:p>
+                      <a:pPr indent="0" lvl="0" marL="0" rtl="0" algn="l">
+                        <a:spcBef>
+                          <a:spcPts val="0"/>
+                        </a:spcBef>
+                        <a:spcAft>
+                          <a:spcPts val="0"/>
+                        </a:spcAft>
+                        <a:buNone/>
+                      </a:pPr>
+                      <a:r>
+                        <a:rPr lang="ru">
+                          <a:solidFill>
+                            <a:schemeClr val="dk1"/>
+                          </a:solidFill>
+                          <a:latin typeface="Montserrat"/>
+                          <a:ea typeface="Montserrat"/>
+                          <a:cs typeface="Montserrat"/>
+                          <a:sym typeface="Montserrat"/>
+                        </a:rPr>
+                        <a:t>Последовательность индексов текущей цепочки</a:t>
+                      </a:r>
+                      <a:endParaRPr>
+                        <a:solidFill>
+                          <a:schemeClr val="dk1"/>
+                        </a:solidFill>
+                        <a:latin typeface="Montserrat"/>
+                        <a:ea typeface="Montserrat"/>
+                        <a:cs typeface="Montserrat"/>
+                        <a:sym typeface="Montserrat"/>
+                      </a:endParaRPr>
+                    </a:p>
+                  </a:txBody>
+                  <a:tcPr marT="91425" marB="91425" marR="91425" marL="91425"/>
+                </a:tc>
+                <a:tc>
+                  <a:txBody>
+                    <a:bodyPr/>
+                    <a:lstStyle/>
+                    <a:p>
+                      <a:pPr indent="0" lvl="0" marL="0" rtl="0" algn="l">
+                        <a:spcBef>
+                          <a:spcPts val="0"/>
+                        </a:spcBef>
+                        <a:spcAft>
+                          <a:spcPts val="0"/>
+                        </a:spcAft>
+                        <a:buNone/>
+                      </a:pPr>
+                      <a:r>
+                        <a:rPr lang="ru" sz="1100">
+                          <a:solidFill>
+                            <a:schemeClr val="dk1"/>
+                          </a:solidFill>
+                          <a:latin typeface="Montserrat"/>
+                          <a:ea typeface="Montserrat"/>
+                          <a:cs typeface="Montserrat"/>
+                          <a:sym typeface="Montserrat"/>
+                        </a:rPr>
+                        <a:t>stack</a:t>
+                      </a:r>
+                      <a:r>
+                        <a:rPr lang="ru" sz="1100">
+                          <a:solidFill>
+                            <a:schemeClr val="dk1"/>
+                          </a:solidFill>
+                          <a:latin typeface="Montserrat"/>
+                          <a:ea typeface="Montserrat"/>
+                          <a:cs typeface="Montserrat"/>
+                          <a:sym typeface="Montserrat"/>
+                        </a:rPr>
+                        <a:t>[int]</a:t>
+                      </a:r>
+                      <a:endParaRPr sz="1100">
+                        <a:solidFill>
+                          <a:schemeClr val="dk1"/>
+                        </a:solidFill>
+                        <a:latin typeface="Montserrat"/>
+                        <a:ea typeface="Montserrat"/>
+                        <a:cs typeface="Montserrat"/>
+                        <a:sym typeface="Montserrat"/>
+                      </a:endParaRPr>
+                    </a:p>
+                  </a:txBody>
+                  <a:tcPr marT="91425" marB="91425" marR="91425" marL="91425"/>
+                </a:tc>
+              </a:tr>
+            </a:tbl>
+          </a:graphicData>
+        </a:graphic>
+      </p:graphicFrame>
     </p:spTree>
   </p:cSld>
   <p:clrMapOvr>
@@ -6906,7 +7490,7 @@
   <p:cSld>
     <p:spTree>
       <p:nvGrpSpPr>
-        <p:cNvPr id="75" name="Shape 75"/>
+        <p:cNvPr id="74" name="Shape 74"/>
         <p:cNvGrpSpPr/>
         <p:nvPr/>
       </p:nvGrpSpPr>
@@ -6920,7 +7504,7 @@
       </p:grpSpPr>
       <p:sp>
         <p:nvSpPr>
-          <p:cNvPr id="76" name="Google Shape;76;p16"/>
+          <p:cNvPr id="75" name="Google Shape;75;p16"/>
           <p:cNvSpPr txBox="1"/>
           <p:nvPr>
             <p:ph type="title"/>
@@ -6951,16 +7535,26 @@
               <a:buNone/>
             </a:pPr>
             <a:r>
-              <a:rPr lang="ru"/>
-              <a:t>Структуры данных</a:t>
+              <a:rPr b="1" lang="ru">
+                <a:latin typeface="Montserrat"/>
+                <a:ea typeface="Montserrat"/>
+                <a:cs typeface="Montserrat"/>
+                <a:sym typeface="Montserrat"/>
+              </a:rPr>
+              <a:t>Строим граф</a:t>
             </a:r>
-            <a:endParaRPr/>
+            <a:endParaRPr b="1">
+              <a:latin typeface="Montserrat"/>
+              <a:ea typeface="Montserrat"/>
+              <a:cs typeface="Montserrat"/>
+              <a:sym typeface="Montserrat"/>
+            </a:endParaRPr>
           </a:p>
         </p:txBody>
       </p:sp>
       <p:sp>
         <p:nvSpPr>
-          <p:cNvPr id="77" name="Google Shape;77;p16"/>
+          <p:cNvPr id="76" name="Google Shape;76;p16"/>
           <p:cNvSpPr txBox="1"/>
           <p:nvPr>
             <p:ph idx="1" type="body"/>
@@ -6969,7 +7563,7 @@
         <p:spPr>
           <a:xfrm>
             <a:off x="311700" y="1152475"/>
-            <a:ext cx="8520600" cy="3416400"/>
+            <a:ext cx="3879900" cy="3416400"/>
           </a:xfrm>
           <a:prstGeom prst="rect">
             <a:avLst/>
@@ -6988,41 +7582,12 @@
               <a:spcAft>
                 <a:spcPts val="0"/>
               </a:spcAft>
-              <a:buClr>
-                <a:schemeClr val="dk1"/>
-              </a:buClr>
-              <a:buSzPts val="1100"/>
-              <a:buFont typeface="Arial"/>
               <a:buNone/>
             </a:pPr>
             <a:r>
-              <a:rPr lang="ru" sz="1100">
-                <a:solidFill>
-                  <a:srgbClr val="188038"/>
-                </a:solidFill>
-                <a:latin typeface="Roboto Mono"/>
-                <a:ea typeface="Roboto Mono"/>
-                <a:cs typeface="Roboto Mono"/>
-                <a:sym typeface="Roboto Mono"/>
-              </a:rPr>
-              <a:t>words: List[str]</a:t>
+              <a:t/>
             </a:r>
-            <a:r>
-              <a:rPr lang="ru" sz="1100">
-                <a:solidFill>
-                  <a:schemeClr val="dk1"/>
-                </a:solidFill>
-              </a:rPr>
-              <a:t> – входной список слов</a:t>
-            </a:r>
-            <a:br>
-              <a:rPr lang="ru" sz="1100">
-                <a:solidFill>
-                  <a:schemeClr val="dk1"/>
-                </a:solidFill>
-              </a:rPr>
-            </a:br>
-            <a:endParaRPr sz="1100">
+            <a:endParaRPr sz="1400">
               <a:solidFill>
                 <a:schemeClr val="dk1"/>
               </a:solidFill>
@@ -7031,189 +7596,1399 @@
           <a:p>
             <a:pPr indent="0" lvl="0" marL="0" rtl="0" algn="l">
               <a:spcBef>
+                <a:spcPts val="0"/>
+              </a:spcBef>
+              <a:spcAft>
                 <a:spcPts val="1200"/>
-              </a:spcBef>
-              <a:spcAft>
-                <a:spcPts val="0"/>
-              </a:spcAft>
-              <a:buClr>
-                <a:schemeClr val="dk1"/>
-              </a:buClr>
-              <a:buSzPts val="1100"/>
-              <a:buFont typeface="Arial"/>
+              </a:spcAft>
               <a:buNone/>
             </a:pPr>
             <a:r>
-              <a:rPr lang="ru" sz="1100">
-                <a:solidFill>
-                  <a:srgbClr val="188038"/>
-                </a:solidFill>
-                <a:latin typeface="Roboto Mono"/>
-                <a:ea typeface="Roboto Mono"/>
-                <a:cs typeface="Roboto Mono"/>
-                <a:sym typeface="Roboto Mono"/>
-              </a:rPr>
-              <a:t>graph: Dict[str, List[Tuple[str,int]]]</a:t>
+              <a:t/>
             </a:r>
+            <a:endParaRPr sz="1400"/>
+          </a:p>
+        </p:txBody>
+      </p:sp>
+      <p:sp>
+        <p:nvSpPr>
+          <p:cNvPr id="77" name="Google Shape;77;p16"/>
+          <p:cNvSpPr txBox="1"/>
+          <p:nvPr/>
+        </p:nvSpPr>
+        <p:spPr>
+          <a:xfrm>
+            <a:off x="6295025" y="3170550"/>
+            <a:ext cx="3000000" cy="1908600"/>
+          </a:xfrm>
+          <a:prstGeom prst="rect">
+            <a:avLst/>
+          </a:prstGeom>
+          <a:noFill/>
+          <a:ln>
+            <a:noFill/>
+          </a:ln>
+        </p:spPr>
+        <p:txBody>
+          <a:bodyPr anchorCtr="0" anchor="t" bIns="91425" lIns="91425" spcFirstLastPara="1" rIns="91425" wrap="square" tIns="91425">
+            <a:spAutoFit/>
+          </a:bodyPr>
+          <a:lstStyle/>
+          <a:p>
+            <a:pPr indent="0" lvl="0" marL="0" rtl="0" algn="l">
+              <a:spcBef>
+                <a:spcPts val="0"/>
+              </a:spcBef>
+              <a:spcAft>
+                <a:spcPts val="0"/>
+              </a:spcAft>
+              <a:buNone/>
+            </a:pPr>
             <a:r>
-              <a:rPr lang="ru" sz="1100">
+              <a:rPr lang="ru">
                 <a:solidFill>
                   <a:schemeClr val="dk1"/>
                 </a:solidFill>
+                <a:latin typeface="Montserrat"/>
+                <a:ea typeface="Montserrat"/>
+                <a:cs typeface="Montserrat"/>
+                <a:sym typeface="Montserrat"/>
               </a:rPr>
-              <a:t> –</a:t>
+              <a:t>{</a:t>
             </a:r>
-            <a:br>
-              <a:rPr lang="ru" sz="1100">
-                <a:solidFill>
-                  <a:schemeClr val="dk1"/>
-                </a:solidFill>
-              </a:rPr>
-            </a:br>
-            <a:r>
-              <a:rPr lang="ru" sz="1100">
-                <a:solidFill>
-                  <a:schemeClr val="dk1"/>
-                </a:solidFill>
-              </a:rPr>
-              <a:t> для каждой буквы-источника список </a:t>
-            </a:r>
-            <a:r>
-              <a:rPr lang="ru" sz="1100">
-                <a:solidFill>
-                  <a:srgbClr val="188038"/>
-                </a:solidFill>
-                <a:latin typeface="Roboto Mono"/>
-                <a:ea typeface="Roboto Mono"/>
-                <a:cs typeface="Roboto Mono"/>
-                <a:sym typeface="Roboto Mono"/>
-              </a:rPr>
-              <a:t>(буква-назначение, индекс слова)</a:t>
-            </a:r>
-            <a:br>
-              <a:rPr lang="ru" sz="1100">
-                <a:solidFill>
-                  <a:srgbClr val="188038"/>
-                </a:solidFill>
-                <a:latin typeface="Roboto Mono"/>
-                <a:ea typeface="Roboto Mono"/>
-                <a:cs typeface="Roboto Mono"/>
-                <a:sym typeface="Roboto Mono"/>
-              </a:rPr>
-            </a:br>
-            <a:endParaRPr sz="1100">
+            <a:endParaRPr>
               <a:solidFill>
-                <a:srgbClr val="188038"/>
+                <a:schemeClr val="dk1"/>
               </a:solidFill>
-              <a:latin typeface="Roboto Mono"/>
-              <a:ea typeface="Roboto Mono"/>
-              <a:cs typeface="Roboto Mono"/>
-              <a:sym typeface="Roboto Mono"/>
+              <a:latin typeface="Montserrat"/>
+              <a:ea typeface="Montserrat"/>
+              <a:cs typeface="Montserrat"/>
+              <a:sym typeface="Montserrat"/>
             </a:endParaRPr>
           </a:p>
           <a:p>
             <a:pPr indent="0" lvl="0" marL="0" rtl="0" algn="l">
               <a:spcBef>
-                <a:spcPts val="1200"/>
-              </a:spcBef>
-              <a:spcAft>
-                <a:spcPts val="0"/>
-              </a:spcAft>
-              <a:buClr>
-                <a:schemeClr val="dk1"/>
-              </a:buClr>
-              <a:buSzPts val="1100"/>
-              <a:buFont typeface="Arial"/>
+                <a:spcPts val="0"/>
+              </a:spcBef>
+              <a:spcAft>
+                <a:spcPts val="0"/>
+              </a:spcAft>
               <a:buNone/>
             </a:pPr>
             <a:r>
-              <a:rPr lang="ru" sz="1100">
-                <a:solidFill>
-                  <a:srgbClr val="188038"/>
-                </a:solidFill>
-                <a:latin typeface="Roboto Mono"/>
-                <a:ea typeface="Roboto Mono"/>
-                <a:cs typeface="Roboto Mono"/>
-                <a:sym typeface="Roboto Mono"/>
-              </a:rPr>
-              <a:t>usedIndices: Set[int]</a:t>
-            </a:r>
-            <a:r>
-              <a:rPr lang="ru" sz="1100">
+              <a:rPr lang="ru">
                 <a:solidFill>
                   <a:schemeClr val="dk1"/>
                 </a:solidFill>
+                <a:latin typeface="Montserrat"/>
+                <a:ea typeface="Montserrat"/>
+                <a:cs typeface="Montserrat"/>
+                <a:sym typeface="Montserrat"/>
               </a:rPr>
-              <a:t> – отмеченные в пути индексы слов</a:t>
+              <a:t>  'з': [0],     # 'зонт'</a:t>
             </a:r>
-            <a:br>
-              <a:rPr lang="ru" sz="1100">
-                <a:solidFill>
-                  <a:schemeClr val="dk1"/>
-                </a:solidFill>
-              </a:rPr>
-            </a:br>
-            <a:endParaRPr sz="1100">
+            <a:endParaRPr>
               <a:solidFill>
                 <a:schemeClr val="dk1"/>
               </a:solidFill>
+              <a:latin typeface="Montserrat"/>
+              <a:ea typeface="Montserrat"/>
+              <a:cs typeface="Montserrat"/>
+              <a:sym typeface="Montserrat"/>
             </a:endParaRPr>
           </a:p>
           <a:p>
             <a:pPr indent="0" lvl="0" marL="0" rtl="0" algn="l">
               <a:spcBef>
-                <a:spcPts val="1200"/>
-              </a:spcBef>
-              <a:spcAft>
-                <a:spcPts val="0"/>
-              </a:spcAft>
-              <a:buClr>
-                <a:schemeClr val="dk1"/>
-              </a:buClr>
-              <a:buSzPts val="1100"/>
-              <a:buFont typeface="Arial"/>
+                <a:spcPts val="0"/>
+              </a:spcBef>
+              <a:spcAft>
+                <a:spcPts val="0"/>
+              </a:spcAft>
               <a:buNone/>
             </a:pPr>
             <a:r>
-              <a:rPr lang="ru" sz="1100">
-                <a:solidFill>
-                  <a:srgbClr val="188038"/>
-                </a:solidFill>
-                <a:latin typeface="Roboto Mono"/>
-                <a:ea typeface="Roboto Mono"/>
-                <a:cs typeface="Roboto Mono"/>
-                <a:sym typeface="Roboto Mono"/>
-              </a:rPr>
-              <a:t>pathIndices: List[int]</a:t>
-            </a:r>
-            <a:r>
-              <a:rPr lang="ru" sz="1100">
+              <a:rPr lang="ru">
                 <a:solidFill>
                   <a:schemeClr val="dk1"/>
                 </a:solidFill>
+                <a:latin typeface="Montserrat"/>
+                <a:ea typeface="Montserrat"/>
+                <a:cs typeface="Montserrat"/>
+                <a:sym typeface="Montserrat"/>
               </a:rPr>
-              <a:t> – текущий обход DFS по индексам</a:t>
+              <a:t>  'т': [1],     # 'ток'</a:t>
             </a:r>
-            <a:endParaRPr sz="1100">
+            <a:endParaRPr>
               <a:solidFill>
                 <a:schemeClr val="dk1"/>
               </a:solidFill>
+              <a:latin typeface="Montserrat"/>
+              <a:ea typeface="Montserrat"/>
+              <a:cs typeface="Montserrat"/>
+              <a:sym typeface="Montserrat"/>
             </a:endParaRPr>
           </a:p>
           <a:p>
             <a:pPr indent="0" lvl="0" marL="0" rtl="0" algn="l">
               <a:spcBef>
-                <a:spcPts val="1200"/>
-              </a:spcBef>
-              <a:spcAft>
-                <a:spcPts val="1200"/>
+                <a:spcPts val="0"/>
+              </a:spcBef>
+              <a:spcAft>
+                <a:spcPts val="0"/>
+              </a:spcAft>
+              <a:buNone/>
+            </a:pPr>
+            <a:r>
+              <a:rPr lang="ru">
+                <a:solidFill>
+                  <a:schemeClr val="dk1"/>
+                </a:solidFill>
+                <a:latin typeface="Montserrat"/>
+                <a:ea typeface="Montserrat"/>
+                <a:cs typeface="Montserrat"/>
+                <a:sym typeface="Montserrat"/>
+              </a:rPr>
+              <a:t>  'к': [2],     # 'корова'</a:t>
+            </a:r>
+            <a:endParaRPr>
+              <a:solidFill>
+                <a:schemeClr val="dk1"/>
+              </a:solidFill>
+              <a:latin typeface="Montserrat"/>
+              <a:ea typeface="Montserrat"/>
+              <a:cs typeface="Montserrat"/>
+              <a:sym typeface="Montserrat"/>
+            </a:endParaRPr>
+          </a:p>
+          <a:p>
+            <a:pPr indent="0" lvl="0" marL="0" rtl="0" algn="l">
+              <a:spcBef>
+                <a:spcPts val="0"/>
+              </a:spcBef>
+              <a:spcAft>
+                <a:spcPts val="0"/>
+              </a:spcAft>
+              <a:buNone/>
+            </a:pPr>
+            <a:r>
+              <a:rPr lang="ru">
+                <a:solidFill>
+                  <a:schemeClr val="dk1"/>
+                </a:solidFill>
+                <a:latin typeface="Montserrat"/>
+                <a:ea typeface="Montserrat"/>
+                <a:cs typeface="Montserrat"/>
+                <a:sym typeface="Montserrat"/>
+              </a:rPr>
+              <a:t>  'а': [3],     # 'арбуз'</a:t>
+            </a:r>
+            <a:endParaRPr>
+              <a:solidFill>
+                <a:schemeClr val="dk1"/>
+              </a:solidFill>
+              <a:latin typeface="Montserrat"/>
+              <a:ea typeface="Montserrat"/>
+              <a:cs typeface="Montserrat"/>
+              <a:sym typeface="Montserrat"/>
+            </a:endParaRPr>
+          </a:p>
+          <a:p>
+            <a:pPr indent="0" lvl="0" marL="0" rtl="0" algn="l">
+              <a:spcBef>
+                <a:spcPts val="0"/>
+              </a:spcBef>
+              <a:spcAft>
+                <a:spcPts val="0"/>
+              </a:spcAft>
+              <a:buNone/>
+            </a:pPr>
+            <a:r>
+              <a:rPr lang="ru">
+                <a:solidFill>
+                  <a:schemeClr val="dk1"/>
+                </a:solidFill>
+                <a:latin typeface="Montserrat"/>
+                <a:ea typeface="Montserrat"/>
+                <a:cs typeface="Montserrat"/>
+                <a:sym typeface="Montserrat"/>
+              </a:rPr>
+              <a:t>  'с': [4]      # 'сон'</a:t>
+            </a:r>
+            <a:endParaRPr>
+              <a:solidFill>
+                <a:schemeClr val="dk1"/>
+              </a:solidFill>
+              <a:latin typeface="Montserrat"/>
+              <a:ea typeface="Montserrat"/>
+              <a:cs typeface="Montserrat"/>
+              <a:sym typeface="Montserrat"/>
+            </a:endParaRPr>
+          </a:p>
+          <a:p>
+            <a:pPr indent="0" lvl="0" marL="0" rtl="0" algn="l">
+              <a:spcBef>
+                <a:spcPts val="0"/>
+              </a:spcBef>
+              <a:spcAft>
+                <a:spcPts val="0"/>
+              </a:spcAft>
+              <a:buNone/>
+            </a:pPr>
+            <a:r>
+              <a:rPr lang="ru">
+                <a:solidFill>
+                  <a:schemeClr val="dk1"/>
+                </a:solidFill>
+                <a:latin typeface="Montserrat"/>
+                <a:ea typeface="Montserrat"/>
+                <a:cs typeface="Montserrat"/>
+                <a:sym typeface="Montserrat"/>
+              </a:rPr>
+              <a:t>}</a:t>
+            </a:r>
+            <a:endParaRPr>
+              <a:solidFill>
+                <a:schemeClr val="dk1"/>
+              </a:solidFill>
+              <a:latin typeface="Montserrat"/>
+              <a:ea typeface="Montserrat"/>
+              <a:cs typeface="Montserrat"/>
+              <a:sym typeface="Montserrat"/>
+            </a:endParaRPr>
+          </a:p>
+          <a:p>
+            <a:pPr indent="0" lvl="0" marL="0" rtl="0" algn="l">
+              <a:spcBef>
+                <a:spcPts val="0"/>
+              </a:spcBef>
+              <a:spcAft>
+                <a:spcPts val="0"/>
               </a:spcAft>
               <a:buNone/>
             </a:pPr>
             <a:r>
               <a:t/>
             </a:r>
-            <a:endParaRPr/>
+            <a:endParaRPr>
+              <a:solidFill>
+                <a:schemeClr val="dk1"/>
+              </a:solidFill>
+              <a:latin typeface="Montserrat"/>
+              <a:ea typeface="Montserrat"/>
+              <a:cs typeface="Montserrat"/>
+              <a:sym typeface="Montserrat"/>
+            </a:endParaRPr>
+          </a:p>
+        </p:txBody>
+      </p:sp>
+      <p:graphicFrame>
+        <p:nvGraphicFramePr>
+          <p:cNvPr id="78" name="Google Shape;78;p16"/>
+          <p:cNvGraphicFramePr/>
+          <p:nvPr/>
+        </p:nvGraphicFramePr>
+        <p:xfrm>
+          <a:off x="570075" y="1595650"/>
+          <a:ext cx="3000000" cy="3000000"/>
+        </p:xfrm>
+        <a:graphic>
+          <a:graphicData uri="http://schemas.openxmlformats.org/drawingml/2006/table">
+            <a:tbl>
+              <a:tblPr>
+                <a:noFill/>
+                <a:tableStyleId>{BC402306-1587-4A36-8E95-DF2BAF97CC9C}</a:tableStyleId>
+              </a:tblPr>
+              <a:tblGrid>
+                <a:gridCol w="382850"/>
+                <a:gridCol w="883550"/>
+                <a:gridCol w="1081425"/>
+                <a:gridCol w="2845150"/>
+              </a:tblGrid>
+              <a:tr h="200025">
+                <a:tc>
+                  <a:txBody>
+                    <a:bodyPr/>
+                    <a:lstStyle/>
+                    <a:p>
+                      <a:pPr indent="0" lvl="0" marL="0" rtl="0" algn="ctr">
+                        <a:lnSpc>
+                          <a:spcPct val="115000"/>
+                        </a:lnSpc>
+                        <a:spcBef>
+                          <a:spcPts val="0"/>
+                        </a:spcBef>
+                        <a:spcAft>
+                          <a:spcPts val="0"/>
+                        </a:spcAft>
+                        <a:buNone/>
+                      </a:pPr>
+                      <a:r>
+                        <a:rPr b="1" lang="ru">
+                          <a:solidFill>
+                            <a:schemeClr val="dk1"/>
+                          </a:solidFill>
+                          <a:latin typeface="Montserrat"/>
+                          <a:ea typeface="Montserrat"/>
+                          <a:cs typeface="Montserrat"/>
+                          <a:sym typeface="Montserrat"/>
+                        </a:rPr>
+                        <a:t>i</a:t>
+                      </a:r>
+                      <a:endParaRPr b="1">
+                        <a:solidFill>
+                          <a:schemeClr val="dk1"/>
+                        </a:solidFill>
+                        <a:latin typeface="Montserrat"/>
+                        <a:ea typeface="Montserrat"/>
+                        <a:cs typeface="Montserrat"/>
+                        <a:sym typeface="Montserrat"/>
+                      </a:endParaRPr>
+                    </a:p>
+                  </a:txBody>
+                  <a:tcPr marT="91425" marB="91425" marR="91425" marL="91425"/>
+                </a:tc>
+                <a:tc>
+                  <a:txBody>
+                    <a:bodyPr/>
+                    <a:lstStyle/>
+                    <a:p>
+                      <a:pPr indent="0" lvl="0" marL="0" rtl="0" algn="ctr">
+                        <a:lnSpc>
+                          <a:spcPct val="115000"/>
+                        </a:lnSpc>
+                        <a:spcBef>
+                          <a:spcPts val="0"/>
+                        </a:spcBef>
+                        <a:spcAft>
+                          <a:spcPts val="0"/>
+                        </a:spcAft>
+                        <a:buNone/>
+                      </a:pPr>
+                      <a:r>
+                        <a:rPr b="1" lang="ru">
+                          <a:solidFill>
+                            <a:schemeClr val="dk1"/>
+                          </a:solidFill>
+                          <a:latin typeface="Montserrat"/>
+                          <a:ea typeface="Montserrat"/>
+                          <a:cs typeface="Montserrat"/>
+                          <a:sym typeface="Montserrat"/>
+                        </a:rPr>
+                        <a:t>word</a:t>
+                      </a:r>
+                      <a:endParaRPr b="1">
+                        <a:solidFill>
+                          <a:schemeClr val="dk1"/>
+                        </a:solidFill>
+                        <a:latin typeface="Montserrat"/>
+                        <a:ea typeface="Montserrat"/>
+                        <a:cs typeface="Montserrat"/>
+                        <a:sym typeface="Montserrat"/>
+                      </a:endParaRPr>
+                    </a:p>
+                  </a:txBody>
+                  <a:tcPr marT="91425" marB="91425" marR="91425" marL="91425"/>
+                </a:tc>
+                <a:tc>
+                  <a:txBody>
+                    <a:bodyPr/>
+                    <a:lstStyle/>
+                    <a:p>
+                      <a:pPr indent="0" lvl="0" marL="0" rtl="0" algn="ctr">
+                        <a:lnSpc>
+                          <a:spcPct val="115000"/>
+                        </a:lnSpc>
+                        <a:spcBef>
+                          <a:spcPts val="0"/>
+                        </a:spcBef>
+                        <a:spcAft>
+                          <a:spcPts val="0"/>
+                        </a:spcAft>
+                        <a:buNone/>
+                      </a:pPr>
+                      <a:r>
+                        <a:rPr b="1" lang="ru">
+                          <a:solidFill>
+                            <a:schemeClr val="dk1"/>
+                          </a:solidFill>
+                          <a:latin typeface="Montserrat"/>
+                          <a:ea typeface="Montserrat"/>
+                          <a:cs typeface="Montserrat"/>
+                          <a:sym typeface="Montserrat"/>
+                        </a:rPr>
+                        <a:t>start</a:t>
+                      </a:r>
+                      <a:endParaRPr b="1">
+                        <a:solidFill>
+                          <a:schemeClr val="dk1"/>
+                        </a:solidFill>
+                        <a:latin typeface="Montserrat"/>
+                        <a:ea typeface="Montserrat"/>
+                        <a:cs typeface="Montserrat"/>
+                        <a:sym typeface="Montserrat"/>
+                      </a:endParaRPr>
+                    </a:p>
+                  </a:txBody>
+                  <a:tcPr marT="91425" marB="91425" marR="91425" marL="91425"/>
+                </a:tc>
+                <a:tc>
+                  <a:txBody>
+                    <a:bodyPr/>
+                    <a:lstStyle/>
+                    <a:p>
+                      <a:pPr indent="0" lvl="0" marL="0" rtl="0" algn="ctr">
+                        <a:lnSpc>
+                          <a:spcPct val="115000"/>
+                        </a:lnSpc>
+                        <a:spcBef>
+                          <a:spcPts val="0"/>
+                        </a:spcBef>
+                        <a:spcAft>
+                          <a:spcPts val="0"/>
+                        </a:spcAft>
+                        <a:buNone/>
+                      </a:pPr>
+                      <a:r>
+                        <a:rPr b="1" lang="ru">
+                          <a:solidFill>
+                            <a:schemeClr val="dk1"/>
+                          </a:solidFill>
+                          <a:latin typeface="Montserrat"/>
+                          <a:ea typeface="Montserrat"/>
+                          <a:cs typeface="Montserrat"/>
+                          <a:sym typeface="Montserrat"/>
+                        </a:rPr>
+                        <a:t>graph после шага</a:t>
+                      </a:r>
+                      <a:endParaRPr b="1">
+                        <a:solidFill>
+                          <a:schemeClr val="dk1"/>
+                        </a:solidFill>
+                        <a:latin typeface="Montserrat"/>
+                        <a:ea typeface="Montserrat"/>
+                        <a:cs typeface="Montserrat"/>
+                        <a:sym typeface="Montserrat"/>
+                      </a:endParaRPr>
+                    </a:p>
+                  </a:txBody>
+                  <a:tcPr marT="91425" marB="91425" marR="91425" marL="91425"/>
+                </a:tc>
+              </a:tr>
+              <a:tr h="200025">
+                <a:tc>
+                  <a:txBody>
+                    <a:bodyPr/>
+                    <a:lstStyle/>
+                    <a:p>
+                      <a:pPr indent="0" lvl="0" marL="0" rtl="0" algn="l">
+                        <a:spcBef>
+                          <a:spcPts val="0"/>
+                        </a:spcBef>
+                        <a:spcAft>
+                          <a:spcPts val="0"/>
+                        </a:spcAft>
+                        <a:buNone/>
+                      </a:pPr>
+                      <a:r>
+                        <a:rPr lang="ru">
+                          <a:solidFill>
+                            <a:schemeClr val="dk1"/>
+                          </a:solidFill>
+                          <a:latin typeface="Montserrat"/>
+                          <a:ea typeface="Montserrat"/>
+                          <a:cs typeface="Montserrat"/>
+                          <a:sym typeface="Montserrat"/>
+                        </a:rPr>
+                        <a:t>0</a:t>
+                      </a:r>
+                      <a:endParaRPr>
+                        <a:solidFill>
+                          <a:schemeClr val="dk1"/>
+                        </a:solidFill>
+                        <a:latin typeface="Montserrat"/>
+                        <a:ea typeface="Montserrat"/>
+                        <a:cs typeface="Montserrat"/>
+                        <a:sym typeface="Montserrat"/>
+                      </a:endParaRPr>
+                    </a:p>
+                  </a:txBody>
+                  <a:tcPr marT="91425" marB="91425" marR="91425" marL="91425"/>
+                </a:tc>
+                <a:tc>
+                  <a:txBody>
+                    <a:bodyPr/>
+                    <a:lstStyle/>
+                    <a:p>
+                      <a:pPr indent="0" lvl="0" marL="0" rtl="0" algn="l">
+                        <a:spcBef>
+                          <a:spcPts val="0"/>
+                        </a:spcBef>
+                        <a:spcAft>
+                          <a:spcPts val="0"/>
+                        </a:spcAft>
+                        <a:buNone/>
+                      </a:pPr>
+                      <a:r>
+                        <a:rPr lang="ru">
+                          <a:solidFill>
+                            <a:schemeClr val="dk1"/>
+                          </a:solidFill>
+                          <a:latin typeface="Montserrat"/>
+                          <a:ea typeface="Montserrat"/>
+                          <a:cs typeface="Montserrat"/>
+                          <a:sym typeface="Montserrat"/>
+                        </a:rPr>
+                        <a:t>'зонт'</a:t>
+                      </a:r>
+                      <a:endParaRPr>
+                        <a:solidFill>
+                          <a:schemeClr val="dk1"/>
+                        </a:solidFill>
+                        <a:latin typeface="Montserrat"/>
+                        <a:ea typeface="Montserrat"/>
+                        <a:cs typeface="Montserrat"/>
+                        <a:sym typeface="Montserrat"/>
+                      </a:endParaRPr>
+                    </a:p>
+                  </a:txBody>
+                  <a:tcPr marT="91425" marB="91425" marR="91425" marL="91425"/>
+                </a:tc>
+                <a:tc>
+                  <a:txBody>
+                    <a:bodyPr/>
+                    <a:lstStyle/>
+                    <a:p>
+                      <a:pPr indent="0" lvl="0" marL="0" rtl="0" algn="l">
+                        <a:spcBef>
+                          <a:spcPts val="0"/>
+                        </a:spcBef>
+                        <a:spcAft>
+                          <a:spcPts val="0"/>
+                        </a:spcAft>
+                        <a:buNone/>
+                      </a:pPr>
+                      <a:r>
+                        <a:rPr lang="ru">
+                          <a:solidFill>
+                            <a:schemeClr val="dk1"/>
+                          </a:solidFill>
+                          <a:latin typeface="Montserrat"/>
+                          <a:ea typeface="Montserrat"/>
+                          <a:cs typeface="Montserrat"/>
+                          <a:sym typeface="Montserrat"/>
+                        </a:rPr>
+                        <a:t>'з'</a:t>
+                      </a:r>
+                      <a:endParaRPr>
+                        <a:solidFill>
+                          <a:schemeClr val="dk1"/>
+                        </a:solidFill>
+                        <a:latin typeface="Montserrat"/>
+                        <a:ea typeface="Montserrat"/>
+                        <a:cs typeface="Montserrat"/>
+                        <a:sym typeface="Montserrat"/>
+                      </a:endParaRPr>
+                    </a:p>
+                  </a:txBody>
+                  <a:tcPr marT="91425" marB="91425" marR="91425" marL="91425"/>
+                </a:tc>
+                <a:tc>
+                  <a:txBody>
+                    <a:bodyPr/>
+                    <a:lstStyle/>
+                    <a:p>
+                      <a:pPr indent="0" lvl="0" marL="0" rtl="0" algn="l">
+                        <a:spcBef>
+                          <a:spcPts val="0"/>
+                        </a:spcBef>
+                        <a:spcAft>
+                          <a:spcPts val="0"/>
+                        </a:spcAft>
+                        <a:buNone/>
+                      </a:pPr>
+                      <a:r>
+                        <a:rPr lang="ru">
+                          <a:solidFill>
+                            <a:schemeClr val="dk1"/>
+                          </a:solidFill>
+                          <a:latin typeface="Montserrat"/>
+                          <a:ea typeface="Montserrat"/>
+                          <a:cs typeface="Montserrat"/>
+                          <a:sym typeface="Montserrat"/>
+                        </a:rPr>
+                        <a:t>{'з': [0]}</a:t>
+                      </a:r>
+                      <a:endParaRPr>
+                        <a:solidFill>
+                          <a:schemeClr val="dk1"/>
+                        </a:solidFill>
+                        <a:latin typeface="Montserrat"/>
+                        <a:ea typeface="Montserrat"/>
+                        <a:cs typeface="Montserrat"/>
+                        <a:sym typeface="Montserrat"/>
+                      </a:endParaRPr>
+                    </a:p>
+                  </a:txBody>
+                  <a:tcPr marT="91425" marB="91425" marR="91425" marL="91425"/>
+                </a:tc>
+              </a:tr>
+              <a:tr h="200025">
+                <a:tc>
+                  <a:txBody>
+                    <a:bodyPr/>
+                    <a:lstStyle/>
+                    <a:p>
+                      <a:pPr indent="0" lvl="0" marL="0" rtl="0" algn="l">
+                        <a:spcBef>
+                          <a:spcPts val="0"/>
+                        </a:spcBef>
+                        <a:spcAft>
+                          <a:spcPts val="0"/>
+                        </a:spcAft>
+                        <a:buNone/>
+                      </a:pPr>
+                      <a:r>
+                        <a:rPr lang="ru">
+                          <a:solidFill>
+                            <a:schemeClr val="dk1"/>
+                          </a:solidFill>
+                          <a:latin typeface="Montserrat"/>
+                          <a:ea typeface="Montserrat"/>
+                          <a:cs typeface="Montserrat"/>
+                          <a:sym typeface="Montserrat"/>
+                        </a:rPr>
+                        <a:t>1</a:t>
+                      </a:r>
+                      <a:endParaRPr>
+                        <a:solidFill>
+                          <a:schemeClr val="dk1"/>
+                        </a:solidFill>
+                        <a:latin typeface="Montserrat"/>
+                        <a:ea typeface="Montserrat"/>
+                        <a:cs typeface="Montserrat"/>
+                        <a:sym typeface="Montserrat"/>
+                      </a:endParaRPr>
+                    </a:p>
+                  </a:txBody>
+                  <a:tcPr marT="91425" marB="91425" marR="91425" marL="91425"/>
+                </a:tc>
+                <a:tc>
+                  <a:txBody>
+                    <a:bodyPr/>
+                    <a:lstStyle/>
+                    <a:p>
+                      <a:pPr indent="0" lvl="0" marL="0" rtl="0" algn="l">
+                        <a:spcBef>
+                          <a:spcPts val="0"/>
+                        </a:spcBef>
+                        <a:spcAft>
+                          <a:spcPts val="0"/>
+                        </a:spcAft>
+                        <a:buNone/>
+                      </a:pPr>
+                      <a:r>
+                        <a:rPr lang="ru">
+                          <a:solidFill>
+                            <a:schemeClr val="dk1"/>
+                          </a:solidFill>
+                          <a:latin typeface="Montserrat"/>
+                          <a:ea typeface="Montserrat"/>
+                          <a:cs typeface="Montserrat"/>
+                          <a:sym typeface="Montserrat"/>
+                        </a:rPr>
+                        <a:t>'ток'</a:t>
+                      </a:r>
+                      <a:endParaRPr>
+                        <a:solidFill>
+                          <a:schemeClr val="dk1"/>
+                        </a:solidFill>
+                        <a:latin typeface="Montserrat"/>
+                        <a:ea typeface="Montserrat"/>
+                        <a:cs typeface="Montserrat"/>
+                        <a:sym typeface="Montserrat"/>
+                      </a:endParaRPr>
+                    </a:p>
+                  </a:txBody>
+                  <a:tcPr marT="91425" marB="91425" marR="91425" marL="91425"/>
+                </a:tc>
+                <a:tc>
+                  <a:txBody>
+                    <a:bodyPr/>
+                    <a:lstStyle/>
+                    <a:p>
+                      <a:pPr indent="0" lvl="0" marL="0" rtl="0" algn="l">
+                        <a:spcBef>
+                          <a:spcPts val="0"/>
+                        </a:spcBef>
+                        <a:spcAft>
+                          <a:spcPts val="0"/>
+                        </a:spcAft>
+                        <a:buNone/>
+                      </a:pPr>
+                      <a:r>
+                        <a:rPr lang="ru">
+                          <a:solidFill>
+                            <a:schemeClr val="dk1"/>
+                          </a:solidFill>
+                          <a:latin typeface="Montserrat"/>
+                          <a:ea typeface="Montserrat"/>
+                          <a:cs typeface="Montserrat"/>
+                          <a:sym typeface="Montserrat"/>
+                        </a:rPr>
+                        <a:t>'т'</a:t>
+                      </a:r>
+                      <a:endParaRPr>
+                        <a:solidFill>
+                          <a:schemeClr val="dk1"/>
+                        </a:solidFill>
+                        <a:latin typeface="Montserrat"/>
+                        <a:ea typeface="Montserrat"/>
+                        <a:cs typeface="Montserrat"/>
+                        <a:sym typeface="Montserrat"/>
+                      </a:endParaRPr>
+                    </a:p>
+                  </a:txBody>
+                  <a:tcPr marT="91425" marB="91425" marR="91425" marL="91425"/>
+                </a:tc>
+                <a:tc>
+                  <a:txBody>
+                    <a:bodyPr/>
+                    <a:lstStyle/>
+                    <a:p>
+                      <a:pPr indent="0" lvl="0" marL="0" rtl="0" algn="l">
+                        <a:spcBef>
+                          <a:spcPts val="0"/>
+                        </a:spcBef>
+                        <a:spcAft>
+                          <a:spcPts val="0"/>
+                        </a:spcAft>
+                        <a:buNone/>
+                      </a:pPr>
+                      <a:r>
+                        <a:rPr lang="ru">
+                          <a:solidFill>
+                            <a:schemeClr val="dk1"/>
+                          </a:solidFill>
+                          <a:latin typeface="Montserrat"/>
+                          <a:ea typeface="Montserrat"/>
+                          <a:cs typeface="Montserrat"/>
+                          <a:sym typeface="Montserrat"/>
+                        </a:rPr>
+                        <a:t>{'з': [0], 'т': [1]}</a:t>
+                      </a:r>
+                      <a:endParaRPr>
+                        <a:solidFill>
+                          <a:schemeClr val="dk1"/>
+                        </a:solidFill>
+                        <a:latin typeface="Montserrat"/>
+                        <a:ea typeface="Montserrat"/>
+                        <a:cs typeface="Montserrat"/>
+                        <a:sym typeface="Montserrat"/>
+                      </a:endParaRPr>
+                    </a:p>
+                  </a:txBody>
+                  <a:tcPr marT="91425" marB="91425" marR="91425" marL="91425"/>
+                </a:tc>
+              </a:tr>
+              <a:tr h="200025">
+                <a:tc>
+                  <a:txBody>
+                    <a:bodyPr/>
+                    <a:lstStyle/>
+                    <a:p>
+                      <a:pPr indent="0" lvl="0" marL="0" rtl="0" algn="l">
+                        <a:spcBef>
+                          <a:spcPts val="0"/>
+                        </a:spcBef>
+                        <a:spcAft>
+                          <a:spcPts val="0"/>
+                        </a:spcAft>
+                        <a:buNone/>
+                      </a:pPr>
+                      <a:r>
+                        <a:rPr lang="ru">
+                          <a:solidFill>
+                            <a:schemeClr val="dk1"/>
+                          </a:solidFill>
+                          <a:latin typeface="Montserrat"/>
+                          <a:ea typeface="Montserrat"/>
+                          <a:cs typeface="Montserrat"/>
+                          <a:sym typeface="Montserrat"/>
+                        </a:rPr>
+                        <a:t>2</a:t>
+                      </a:r>
+                      <a:endParaRPr>
+                        <a:solidFill>
+                          <a:schemeClr val="dk1"/>
+                        </a:solidFill>
+                        <a:latin typeface="Montserrat"/>
+                        <a:ea typeface="Montserrat"/>
+                        <a:cs typeface="Montserrat"/>
+                        <a:sym typeface="Montserrat"/>
+                      </a:endParaRPr>
+                    </a:p>
+                  </a:txBody>
+                  <a:tcPr marT="91425" marB="91425" marR="91425" marL="91425"/>
+                </a:tc>
+                <a:tc>
+                  <a:txBody>
+                    <a:bodyPr/>
+                    <a:lstStyle/>
+                    <a:p>
+                      <a:pPr indent="0" lvl="0" marL="0" rtl="0" algn="l">
+                        <a:spcBef>
+                          <a:spcPts val="0"/>
+                        </a:spcBef>
+                        <a:spcAft>
+                          <a:spcPts val="0"/>
+                        </a:spcAft>
+                        <a:buNone/>
+                      </a:pPr>
+                      <a:r>
+                        <a:rPr lang="ru">
+                          <a:solidFill>
+                            <a:schemeClr val="dk1"/>
+                          </a:solidFill>
+                          <a:latin typeface="Montserrat"/>
+                          <a:ea typeface="Montserrat"/>
+                          <a:cs typeface="Montserrat"/>
+                          <a:sym typeface="Montserrat"/>
+                        </a:rPr>
+                        <a:t>'корова'</a:t>
+                      </a:r>
+                      <a:endParaRPr>
+                        <a:solidFill>
+                          <a:schemeClr val="dk1"/>
+                        </a:solidFill>
+                        <a:latin typeface="Montserrat"/>
+                        <a:ea typeface="Montserrat"/>
+                        <a:cs typeface="Montserrat"/>
+                        <a:sym typeface="Montserrat"/>
+                      </a:endParaRPr>
+                    </a:p>
+                  </a:txBody>
+                  <a:tcPr marT="91425" marB="91425" marR="91425" marL="91425"/>
+                </a:tc>
+                <a:tc>
+                  <a:txBody>
+                    <a:bodyPr/>
+                    <a:lstStyle/>
+                    <a:p>
+                      <a:pPr indent="0" lvl="0" marL="0" rtl="0" algn="l">
+                        <a:spcBef>
+                          <a:spcPts val="0"/>
+                        </a:spcBef>
+                        <a:spcAft>
+                          <a:spcPts val="0"/>
+                        </a:spcAft>
+                        <a:buNone/>
+                      </a:pPr>
+                      <a:r>
+                        <a:rPr lang="ru">
+                          <a:solidFill>
+                            <a:schemeClr val="dk1"/>
+                          </a:solidFill>
+                          <a:latin typeface="Montserrat"/>
+                          <a:ea typeface="Montserrat"/>
+                          <a:cs typeface="Montserrat"/>
+                          <a:sym typeface="Montserrat"/>
+                        </a:rPr>
+                        <a:t>'к'</a:t>
+                      </a:r>
+                      <a:endParaRPr>
+                        <a:solidFill>
+                          <a:schemeClr val="dk1"/>
+                        </a:solidFill>
+                        <a:latin typeface="Montserrat"/>
+                        <a:ea typeface="Montserrat"/>
+                        <a:cs typeface="Montserrat"/>
+                        <a:sym typeface="Montserrat"/>
+                      </a:endParaRPr>
+                    </a:p>
+                  </a:txBody>
+                  <a:tcPr marT="91425" marB="91425" marR="91425" marL="91425"/>
+                </a:tc>
+                <a:tc>
+                  <a:txBody>
+                    <a:bodyPr/>
+                    <a:lstStyle/>
+                    <a:p>
+                      <a:pPr indent="0" lvl="0" marL="0" rtl="0" algn="l">
+                        <a:spcBef>
+                          <a:spcPts val="0"/>
+                        </a:spcBef>
+                        <a:spcAft>
+                          <a:spcPts val="0"/>
+                        </a:spcAft>
+                        <a:buNone/>
+                      </a:pPr>
+                      <a:r>
+                        <a:rPr lang="ru">
+                          <a:solidFill>
+                            <a:schemeClr val="dk1"/>
+                          </a:solidFill>
+                          <a:latin typeface="Montserrat"/>
+                          <a:ea typeface="Montserrat"/>
+                          <a:cs typeface="Montserrat"/>
+                          <a:sym typeface="Montserrat"/>
+                        </a:rPr>
+                        <a:t>{'з': [0], 'т': [1], 'к': [2]}</a:t>
+                      </a:r>
+                      <a:endParaRPr>
+                        <a:solidFill>
+                          <a:schemeClr val="dk1"/>
+                        </a:solidFill>
+                        <a:latin typeface="Montserrat"/>
+                        <a:ea typeface="Montserrat"/>
+                        <a:cs typeface="Montserrat"/>
+                        <a:sym typeface="Montserrat"/>
+                      </a:endParaRPr>
+                    </a:p>
+                  </a:txBody>
+                  <a:tcPr marT="91425" marB="91425" marR="91425" marL="91425"/>
+                </a:tc>
+              </a:tr>
+              <a:tr h="200025">
+                <a:tc>
+                  <a:txBody>
+                    <a:bodyPr/>
+                    <a:lstStyle/>
+                    <a:p>
+                      <a:pPr indent="0" lvl="0" marL="0" rtl="0" algn="l">
+                        <a:spcBef>
+                          <a:spcPts val="0"/>
+                        </a:spcBef>
+                        <a:spcAft>
+                          <a:spcPts val="0"/>
+                        </a:spcAft>
+                        <a:buNone/>
+                      </a:pPr>
+                      <a:r>
+                        <a:rPr lang="ru">
+                          <a:solidFill>
+                            <a:schemeClr val="dk1"/>
+                          </a:solidFill>
+                          <a:latin typeface="Montserrat"/>
+                          <a:ea typeface="Montserrat"/>
+                          <a:cs typeface="Montserrat"/>
+                          <a:sym typeface="Montserrat"/>
+                        </a:rPr>
+                        <a:t>3</a:t>
+                      </a:r>
+                      <a:endParaRPr>
+                        <a:solidFill>
+                          <a:schemeClr val="dk1"/>
+                        </a:solidFill>
+                        <a:latin typeface="Montserrat"/>
+                        <a:ea typeface="Montserrat"/>
+                        <a:cs typeface="Montserrat"/>
+                        <a:sym typeface="Montserrat"/>
+                      </a:endParaRPr>
+                    </a:p>
+                  </a:txBody>
+                  <a:tcPr marT="91425" marB="91425" marR="91425" marL="91425"/>
+                </a:tc>
+                <a:tc>
+                  <a:txBody>
+                    <a:bodyPr/>
+                    <a:lstStyle/>
+                    <a:p>
+                      <a:pPr indent="0" lvl="0" marL="0" rtl="0" algn="l">
+                        <a:spcBef>
+                          <a:spcPts val="0"/>
+                        </a:spcBef>
+                        <a:spcAft>
+                          <a:spcPts val="0"/>
+                        </a:spcAft>
+                        <a:buNone/>
+                      </a:pPr>
+                      <a:r>
+                        <a:rPr lang="ru">
+                          <a:solidFill>
+                            <a:schemeClr val="dk1"/>
+                          </a:solidFill>
+                          <a:latin typeface="Montserrat"/>
+                          <a:ea typeface="Montserrat"/>
+                          <a:cs typeface="Montserrat"/>
+                          <a:sym typeface="Montserrat"/>
+                        </a:rPr>
+                        <a:t>'арбуз'</a:t>
+                      </a:r>
+                      <a:endParaRPr>
+                        <a:solidFill>
+                          <a:schemeClr val="dk1"/>
+                        </a:solidFill>
+                        <a:latin typeface="Montserrat"/>
+                        <a:ea typeface="Montserrat"/>
+                        <a:cs typeface="Montserrat"/>
+                        <a:sym typeface="Montserrat"/>
+                      </a:endParaRPr>
+                    </a:p>
+                  </a:txBody>
+                  <a:tcPr marT="91425" marB="91425" marR="91425" marL="91425"/>
+                </a:tc>
+                <a:tc>
+                  <a:txBody>
+                    <a:bodyPr/>
+                    <a:lstStyle/>
+                    <a:p>
+                      <a:pPr indent="0" lvl="0" marL="0" rtl="0" algn="l">
+                        <a:spcBef>
+                          <a:spcPts val="0"/>
+                        </a:spcBef>
+                        <a:spcAft>
+                          <a:spcPts val="0"/>
+                        </a:spcAft>
+                        <a:buNone/>
+                      </a:pPr>
+                      <a:r>
+                        <a:rPr lang="ru">
+                          <a:solidFill>
+                            <a:schemeClr val="dk1"/>
+                          </a:solidFill>
+                          <a:latin typeface="Montserrat"/>
+                          <a:ea typeface="Montserrat"/>
+                          <a:cs typeface="Montserrat"/>
+                          <a:sym typeface="Montserrat"/>
+                        </a:rPr>
+                        <a:t>'а'</a:t>
+                      </a:r>
+                      <a:endParaRPr>
+                        <a:solidFill>
+                          <a:schemeClr val="dk1"/>
+                        </a:solidFill>
+                        <a:latin typeface="Montserrat"/>
+                        <a:ea typeface="Montserrat"/>
+                        <a:cs typeface="Montserrat"/>
+                        <a:sym typeface="Montserrat"/>
+                      </a:endParaRPr>
+                    </a:p>
+                  </a:txBody>
+                  <a:tcPr marT="91425" marB="91425" marR="91425" marL="91425"/>
+                </a:tc>
+                <a:tc>
+                  <a:txBody>
+                    <a:bodyPr/>
+                    <a:lstStyle/>
+                    <a:p>
+                      <a:pPr indent="0" lvl="0" marL="0" rtl="0" algn="l">
+                        <a:spcBef>
+                          <a:spcPts val="0"/>
+                        </a:spcBef>
+                        <a:spcAft>
+                          <a:spcPts val="0"/>
+                        </a:spcAft>
+                        <a:buNone/>
+                      </a:pPr>
+                      <a:r>
+                        <a:rPr lang="ru">
+                          <a:solidFill>
+                            <a:schemeClr val="dk1"/>
+                          </a:solidFill>
+                          <a:latin typeface="Montserrat"/>
+                          <a:ea typeface="Montserrat"/>
+                          <a:cs typeface="Montserrat"/>
+                          <a:sym typeface="Montserrat"/>
+                        </a:rPr>
+                        <a:t>{'з': [0], 'т': [1], 'к': [2], 'а': [3]}</a:t>
+                      </a:r>
+                      <a:endParaRPr>
+                        <a:solidFill>
+                          <a:schemeClr val="dk1"/>
+                        </a:solidFill>
+                        <a:latin typeface="Montserrat"/>
+                        <a:ea typeface="Montserrat"/>
+                        <a:cs typeface="Montserrat"/>
+                        <a:sym typeface="Montserrat"/>
+                      </a:endParaRPr>
+                    </a:p>
+                  </a:txBody>
+                  <a:tcPr marT="91425" marB="91425" marR="91425" marL="91425"/>
+                </a:tc>
+              </a:tr>
+              <a:tr h="200025">
+                <a:tc>
+                  <a:txBody>
+                    <a:bodyPr/>
+                    <a:lstStyle/>
+                    <a:p>
+                      <a:pPr indent="0" lvl="0" marL="0" rtl="0" algn="l">
+                        <a:spcBef>
+                          <a:spcPts val="0"/>
+                        </a:spcBef>
+                        <a:spcAft>
+                          <a:spcPts val="0"/>
+                        </a:spcAft>
+                        <a:buNone/>
+                      </a:pPr>
+                      <a:r>
+                        <a:rPr lang="ru">
+                          <a:solidFill>
+                            <a:schemeClr val="dk1"/>
+                          </a:solidFill>
+                          <a:latin typeface="Montserrat"/>
+                          <a:ea typeface="Montserrat"/>
+                          <a:cs typeface="Montserrat"/>
+                          <a:sym typeface="Montserrat"/>
+                        </a:rPr>
+                        <a:t>4</a:t>
+                      </a:r>
+                      <a:endParaRPr>
+                        <a:solidFill>
+                          <a:schemeClr val="dk1"/>
+                        </a:solidFill>
+                        <a:latin typeface="Montserrat"/>
+                        <a:ea typeface="Montserrat"/>
+                        <a:cs typeface="Montserrat"/>
+                        <a:sym typeface="Montserrat"/>
+                      </a:endParaRPr>
+                    </a:p>
+                  </a:txBody>
+                  <a:tcPr marT="91425" marB="91425" marR="91425" marL="91425"/>
+                </a:tc>
+                <a:tc>
+                  <a:txBody>
+                    <a:bodyPr/>
+                    <a:lstStyle/>
+                    <a:p>
+                      <a:pPr indent="0" lvl="0" marL="0" rtl="0" algn="l">
+                        <a:spcBef>
+                          <a:spcPts val="0"/>
+                        </a:spcBef>
+                        <a:spcAft>
+                          <a:spcPts val="0"/>
+                        </a:spcAft>
+                        <a:buNone/>
+                      </a:pPr>
+                      <a:r>
+                        <a:rPr lang="ru">
+                          <a:solidFill>
+                            <a:schemeClr val="dk1"/>
+                          </a:solidFill>
+                          <a:latin typeface="Montserrat"/>
+                          <a:ea typeface="Montserrat"/>
+                          <a:cs typeface="Montserrat"/>
+                          <a:sym typeface="Montserrat"/>
+                        </a:rPr>
+                        <a:t>'сон'</a:t>
+                      </a:r>
+                      <a:endParaRPr>
+                        <a:solidFill>
+                          <a:schemeClr val="dk1"/>
+                        </a:solidFill>
+                        <a:latin typeface="Montserrat"/>
+                        <a:ea typeface="Montserrat"/>
+                        <a:cs typeface="Montserrat"/>
+                        <a:sym typeface="Montserrat"/>
+                      </a:endParaRPr>
+                    </a:p>
+                  </a:txBody>
+                  <a:tcPr marT="91425" marB="91425" marR="91425" marL="91425"/>
+                </a:tc>
+                <a:tc>
+                  <a:txBody>
+                    <a:bodyPr/>
+                    <a:lstStyle/>
+                    <a:p>
+                      <a:pPr indent="0" lvl="0" marL="0" rtl="0" algn="l">
+                        <a:spcBef>
+                          <a:spcPts val="0"/>
+                        </a:spcBef>
+                        <a:spcAft>
+                          <a:spcPts val="0"/>
+                        </a:spcAft>
+                        <a:buNone/>
+                      </a:pPr>
+                      <a:r>
+                        <a:rPr lang="ru">
+                          <a:solidFill>
+                            <a:schemeClr val="dk1"/>
+                          </a:solidFill>
+                          <a:latin typeface="Montserrat"/>
+                          <a:ea typeface="Montserrat"/>
+                          <a:cs typeface="Montserrat"/>
+                          <a:sym typeface="Montserrat"/>
+                        </a:rPr>
+                        <a:t>'с'</a:t>
+                      </a:r>
+                      <a:endParaRPr>
+                        <a:solidFill>
+                          <a:schemeClr val="dk1"/>
+                        </a:solidFill>
+                        <a:latin typeface="Montserrat"/>
+                        <a:ea typeface="Montserrat"/>
+                        <a:cs typeface="Montserrat"/>
+                        <a:sym typeface="Montserrat"/>
+                      </a:endParaRPr>
+                    </a:p>
+                  </a:txBody>
+                  <a:tcPr marT="91425" marB="91425" marR="91425" marL="91425"/>
+                </a:tc>
+                <a:tc>
+                  <a:txBody>
+                    <a:bodyPr/>
+                    <a:lstStyle/>
+                    <a:p>
+                      <a:pPr indent="0" lvl="0" marL="0" rtl="0" algn="l">
+                        <a:spcBef>
+                          <a:spcPts val="0"/>
+                        </a:spcBef>
+                        <a:spcAft>
+                          <a:spcPts val="0"/>
+                        </a:spcAft>
+                        <a:buNone/>
+                      </a:pPr>
+                      <a:r>
+                        <a:rPr lang="ru">
+                          <a:solidFill>
+                            <a:schemeClr val="dk1"/>
+                          </a:solidFill>
+                          <a:latin typeface="Montserrat"/>
+                          <a:ea typeface="Montserrat"/>
+                          <a:cs typeface="Montserrat"/>
+                          <a:sym typeface="Montserrat"/>
+                        </a:rPr>
+                        <a:t>{'з': [0], 'т': [1], 'к': [2], 'а': [3], 'с': [4]}</a:t>
+                      </a:r>
+                      <a:endParaRPr>
+                        <a:solidFill>
+                          <a:schemeClr val="dk1"/>
+                        </a:solidFill>
+                        <a:latin typeface="Montserrat"/>
+                        <a:ea typeface="Montserrat"/>
+                        <a:cs typeface="Montserrat"/>
+                        <a:sym typeface="Montserrat"/>
+                      </a:endParaRPr>
+                    </a:p>
+                  </a:txBody>
+                  <a:tcPr marT="91425" marB="91425" marR="91425" marL="91425"/>
+                </a:tc>
+              </a:tr>
+            </a:tbl>
+          </a:graphicData>
+        </a:graphic>
+      </p:graphicFrame>
+      <p:sp>
+        <p:nvSpPr>
+          <p:cNvPr id="79" name="Google Shape;79;p16"/>
+          <p:cNvSpPr txBox="1"/>
+          <p:nvPr/>
+        </p:nvSpPr>
+        <p:spPr>
+          <a:xfrm>
+            <a:off x="435300" y="980350"/>
+            <a:ext cx="5514300" cy="716100"/>
+          </a:xfrm>
+          <a:prstGeom prst="rect">
+            <a:avLst/>
+          </a:prstGeom>
+          <a:noFill/>
+          <a:ln>
+            <a:noFill/>
+          </a:ln>
+        </p:spPr>
+        <p:txBody>
+          <a:bodyPr anchorCtr="0" anchor="ctr" bIns="91425" lIns="91425" spcFirstLastPara="1" rIns="91425" wrap="square" tIns="91425">
+            <a:noAutofit/>
+          </a:bodyPr>
+          <a:lstStyle/>
+          <a:p>
+            <a:pPr indent="0" lvl="0" marL="0" rtl="0" algn="l">
+              <a:lnSpc>
+                <a:spcPct val="115000"/>
+              </a:lnSpc>
+              <a:spcBef>
+                <a:spcPts val="1200"/>
+              </a:spcBef>
+              <a:spcAft>
+                <a:spcPts val="1200"/>
+              </a:spcAft>
+              <a:buNone/>
+            </a:pPr>
+            <a:r>
+              <a:rPr lang="ru">
+                <a:solidFill>
+                  <a:schemeClr val="dk1"/>
+                </a:solidFill>
+                <a:latin typeface="Montserrat"/>
+                <a:ea typeface="Montserrat"/>
+                <a:cs typeface="Montserrat"/>
+                <a:sym typeface="Montserrat"/>
+              </a:rPr>
+              <a:t>Пусть self.words = ['зонт', 'ток', 'корова', 'арбуз', 'сон'].</a:t>
+            </a:r>
+            <a:endParaRPr>
+              <a:solidFill>
+                <a:schemeClr val="dk1"/>
+              </a:solidFill>
+              <a:latin typeface="Montserrat"/>
+              <a:ea typeface="Montserrat"/>
+              <a:cs typeface="Montserrat"/>
+              <a:sym typeface="Montserrat"/>
+            </a:endParaRPr>
+          </a:p>
+        </p:txBody>
+      </p:sp>
+      <p:sp>
+        <p:nvSpPr>
+          <p:cNvPr id="80" name="Google Shape;80;p16"/>
+          <p:cNvSpPr txBox="1"/>
+          <p:nvPr/>
+        </p:nvSpPr>
+        <p:spPr>
+          <a:xfrm>
+            <a:off x="6108675" y="2716475"/>
+            <a:ext cx="3000000" cy="400200"/>
+          </a:xfrm>
+          <a:prstGeom prst="rect">
+            <a:avLst/>
+          </a:prstGeom>
+          <a:noFill/>
+          <a:ln>
+            <a:noFill/>
+          </a:ln>
+        </p:spPr>
+        <p:txBody>
+          <a:bodyPr anchorCtr="0" anchor="t" bIns="91425" lIns="91425" spcFirstLastPara="1" rIns="91425" wrap="square" tIns="91425">
+            <a:spAutoFit/>
+          </a:bodyPr>
+          <a:lstStyle/>
+          <a:p>
+            <a:pPr indent="0" lvl="0" marL="0" rtl="0" algn="l">
+              <a:lnSpc>
+                <a:spcPct val="115000"/>
+              </a:lnSpc>
+              <a:spcBef>
+                <a:spcPts val="1200"/>
+              </a:spcBef>
+              <a:spcAft>
+                <a:spcPts val="1200"/>
+              </a:spcAft>
+              <a:buNone/>
+            </a:pPr>
+            <a:r>
+              <a:rPr b="1" lang="ru">
+                <a:solidFill>
+                  <a:schemeClr val="dk1"/>
+                </a:solidFill>
+                <a:latin typeface="Montserrat"/>
+                <a:ea typeface="Montserrat"/>
+                <a:cs typeface="Montserrat"/>
+                <a:sym typeface="Montserrat"/>
+              </a:rPr>
+              <a:t>Итог:</a:t>
+            </a:r>
+            <a:endParaRPr b="1">
+              <a:solidFill>
+                <a:schemeClr val="dk1"/>
+              </a:solidFill>
+              <a:latin typeface="Montserrat"/>
+              <a:ea typeface="Montserrat"/>
+              <a:cs typeface="Montserrat"/>
+              <a:sym typeface="Montserrat"/>
+            </a:endParaRPr>
           </a:p>
         </p:txBody>
       </p:sp>
@@ -7230,7 +9005,7 @@
   <p:cSld>
     <p:spTree>
       <p:nvGrpSpPr>
-        <p:cNvPr id="81" name="Shape 81"/>
+        <p:cNvPr id="84" name="Shape 84"/>
         <p:cNvGrpSpPr/>
         <p:nvPr/>
       </p:nvGrpSpPr>
@@ -7244,7 +9019,7 @@
       </p:grpSpPr>
       <p:sp>
         <p:nvSpPr>
-          <p:cNvPr id="82" name="Google Shape;82;p17"/>
+          <p:cNvPr id="85" name="Google Shape;85;p17"/>
           <p:cNvSpPr txBox="1"/>
           <p:nvPr>
             <p:ph type="title"/>
@@ -7275,16 +9050,35 @@
               <a:buNone/>
             </a:pPr>
             <a:r>
-              <a:rPr lang="ru"/>
-              <a:t>Детали алгоритма</a:t>
+              <a:rPr b="1" lang="ru">
+                <a:latin typeface="Montserrat"/>
+                <a:ea typeface="Montserrat"/>
+                <a:cs typeface="Montserrat"/>
+                <a:sym typeface="Montserrat"/>
+              </a:rPr>
+              <a:t>D</a:t>
             </a:r>
-            <a:endParaRPr/>
+            <a:r>
+              <a:rPr b="1" lang="ru">
+                <a:latin typeface="Montserrat"/>
+                <a:ea typeface="Montserrat"/>
+                <a:cs typeface="Montserrat"/>
+                <a:sym typeface="Montserrat"/>
+              </a:rPr>
+              <a:t>FS</a:t>
+            </a:r>
+            <a:endParaRPr b="1">
+              <a:latin typeface="Montserrat"/>
+              <a:ea typeface="Montserrat"/>
+              <a:cs typeface="Montserrat"/>
+              <a:sym typeface="Montserrat"/>
+            </a:endParaRPr>
           </a:p>
         </p:txBody>
       </p:sp>
       <p:sp>
         <p:nvSpPr>
-          <p:cNvPr id="83" name="Google Shape;83;p17"/>
+          <p:cNvPr id="86" name="Google Shape;86;p17"/>
           <p:cNvSpPr txBox="1"/>
           <p:nvPr>
             <p:ph idx="1" type="body"/>
@@ -7301,7 +9095,7 @@
         </p:spPr>
         <p:txBody>
           <a:bodyPr anchorCtr="0" anchor="t" bIns="91425" lIns="91425" spcFirstLastPara="1" rIns="91425" wrap="square" tIns="91425">
-            <a:normAutofit fontScale="92500" lnSpcReduction="20000"/>
+            <a:normAutofit/>
           </a:bodyPr>
           <a:lstStyle/>
           <a:p>
@@ -7315,429 +9109,7 @@
               <a:buNone/>
             </a:pPr>
             <a:r>
-              <a:rPr lang="ru" sz="1100">
-                <a:solidFill>
-                  <a:schemeClr val="dk1"/>
-                </a:solidFill>
-              </a:rPr>
-              <a:t>Для каждого </a:t>
-            </a:r>
-            <a:r>
-              <a:rPr lang="ru" sz="1100">
-                <a:solidFill>
-                  <a:srgbClr val="188038"/>
-                </a:solidFill>
-                <a:latin typeface="Roboto Mono"/>
-                <a:ea typeface="Roboto Mono"/>
-                <a:cs typeface="Roboto Mono"/>
-                <a:sym typeface="Roboto Mono"/>
-              </a:rPr>
-              <a:t>startIdx</a:t>
-            </a:r>
-            <a:r>
-              <a:rPr lang="ru" sz="1100">
-                <a:solidFill>
-                  <a:schemeClr val="dk1"/>
-                </a:solidFill>
-              </a:rPr>
-              <a:t> в </a:t>
-            </a:r>
-            <a:r>
-              <a:rPr lang="ru" sz="1100">
-                <a:solidFill>
-                  <a:srgbClr val="188038"/>
-                </a:solidFill>
-                <a:latin typeface="Roboto Mono"/>
-                <a:ea typeface="Roboto Mono"/>
-                <a:cs typeface="Roboto Mono"/>
-                <a:sym typeface="Roboto Mono"/>
-              </a:rPr>
-              <a:t>0…n-1</a:t>
-            </a:r>
-            <a:r>
-              <a:rPr lang="ru" sz="1100">
-                <a:solidFill>
-                  <a:schemeClr val="dk1"/>
-                </a:solidFill>
-              </a:rPr>
-              <a:t> запускаем DFS</a:t>
-            </a:r>
-            <a:br>
-              <a:rPr lang="ru" sz="1100">
-                <a:solidFill>
-                  <a:schemeClr val="dk1"/>
-                </a:solidFill>
-              </a:rPr>
-            </a:br>
-            <a:endParaRPr sz="1100">
-              <a:solidFill>
-                <a:schemeClr val="dk1"/>
-              </a:solidFill>
-            </a:endParaRPr>
-          </a:p>
-          <a:p>
-            <a:pPr indent="0" lvl="0" marL="0" rtl="0" algn="l">
-              <a:spcBef>
-                <a:spcPts val="1200"/>
-              </a:spcBef>
-              <a:spcAft>
-                <a:spcPts val="0"/>
-              </a:spcAft>
-              <a:buNone/>
-            </a:pPr>
-            <a:r>
-              <a:rPr lang="ru" sz="1100">
-                <a:solidFill>
-                  <a:schemeClr val="dk1"/>
-                </a:solidFill>
-              </a:rPr>
-              <a:t>Рекурсия </a:t>
-            </a:r>
-            <a:r>
-              <a:rPr lang="ru" sz="1100">
-                <a:solidFill>
-                  <a:srgbClr val="188038"/>
-                </a:solidFill>
-                <a:latin typeface="Roboto Mono"/>
-                <a:ea typeface="Roboto Mono"/>
-                <a:cs typeface="Roboto Mono"/>
-                <a:sym typeface="Roboto Mono"/>
-              </a:rPr>
-              <a:t>searchChain(currentIdx, used, path)</a:t>
-            </a:r>
-            <a:br>
-              <a:rPr lang="ru" sz="1100">
-                <a:solidFill>
-                  <a:srgbClr val="188038"/>
-                </a:solidFill>
-                <a:latin typeface="Roboto Mono"/>
-                <a:ea typeface="Roboto Mono"/>
-                <a:cs typeface="Roboto Mono"/>
-                <a:sym typeface="Roboto Mono"/>
-              </a:rPr>
-            </a:br>
-            <a:endParaRPr sz="1100">
-              <a:solidFill>
-                <a:srgbClr val="188038"/>
-              </a:solidFill>
-              <a:latin typeface="Roboto Mono"/>
-              <a:ea typeface="Roboto Mono"/>
-              <a:cs typeface="Roboto Mono"/>
-              <a:sym typeface="Roboto Mono"/>
-            </a:endParaRPr>
-          </a:p>
-          <a:p>
-            <a:pPr indent="-293211" lvl="0" marL="457200" rtl="0" algn="l">
-              <a:spcBef>
-                <a:spcPts val="1200"/>
-              </a:spcBef>
-              <a:spcAft>
-                <a:spcPts val="0"/>
-              </a:spcAft>
-              <a:buClr>
-                <a:schemeClr val="dk1"/>
-              </a:buClr>
-              <a:buSzPct val="100000"/>
-              <a:buChar char="●"/>
-            </a:pPr>
-            <a:r>
-              <a:rPr lang="ru" sz="1100">
-                <a:solidFill>
-                  <a:schemeClr val="dk1"/>
-                </a:solidFill>
-              </a:rPr>
-              <a:t>Добавляем </a:t>
-            </a:r>
-            <a:r>
-              <a:rPr lang="ru" sz="1100">
-                <a:solidFill>
-                  <a:srgbClr val="188038"/>
-                </a:solidFill>
-                <a:latin typeface="Roboto Mono"/>
-                <a:ea typeface="Roboto Mono"/>
-                <a:cs typeface="Roboto Mono"/>
-                <a:sym typeface="Roboto Mono"/>
-              </a:rPr>
-              <a:t>currentIdx</a:t>
-            </a:r>
-            <a:r>
-              <a:rPr lang="ru" sz="1100">
-                <a:solidFill>
-                  <a:schemeClr val="dk1"/>
-                </a:solidFill>
-              </a:rPr>
-              <a:t> в </a:t>
-            </a:r>
-            <a:r>
-              <a:rPr lang="ru" sz="1100">
-                <a:solidFill>
-                  <a:srgbClr val="188038"/>
-                </a:solidFill>
-                <a:latin typeface="Roboto Mono"/>
-                <a:ea typeface="Roboto Mono"/>
-                <a:cs typeface="Roboto Mono"/>
-                <a:sym typeface="Roboto Mono"/>
-              </a:rPr>
-              <a:t>used</a:t>
-            </a:r>
-            <a:r>
-              <a:rPr lang="ru" sz="1100">
-                <a:solidFill>
-                  <a:schemeClr val="dk1"/>
-                </a:solidFill>
-              </a:rPr>
-              <a:t> и </a:t>
-            </a:r>
-            <a:r>
-              <a:rPr lang="ru" sz="1100">
-                <a:solidFill>
-                  <a:srgbClr val="188038"/>
-                </a:solidFill>
-                <a:latin typeface="Roboto Mono"/>
-                <a:ea typeface="Roboto Mono"/>
-                <a:cs typeface="Roboto Mono"/>
-                <a:sym typeface="Roboto Mono"/>
-              </a:rPr>
-              <a:t>path</a:t>
-            </a:r>
-            <a:br>
-              <a:rPr lang="ru" sz="1100">
-                <a:solidFill>
-                  <a:srgbClr val="188038"/>
-                </a:solidFill>
-                <a:latin typeface="Roboto Mono"/>
-                <a:ea typeface="Roboto Mono"/>
-                <a:cs typeface="Roboto Mono"/>
-                <a:sym typeface="Roboto Mono"/>
-              </a:rPr>
-            </a:br>
-            <a:endParaRPr sz="1100">
-              <a:solidFill>
-                <a:srgbClr val="188038"/>
-              </a:solidFill>
-              <a:latin typeface="Roboto Mono"/>
-              <a:ea typeface="Roboto Mono"/>
-              <a:cs typeface="Roboto Mono"/>
-              <a:sym typeface="Roboto Mono"/>
-            </a:endParaRPr>
-          </a:p>
-          <a:p>
-            <a:pPr indent="-293211" lvl="0" marL="457200" rtl="0" algn="l">
-              <a:spcBef>
-                <a:spcPts val="0"/>
-              </a:spcBef>
-              <a:spcAft>
-                <a:spcPts val="0"/>
-              </a:spcAft>
-              <a:buClr>
-                <a:schemeClr val="dk1"/>
-              </a:buClr>
-              <a:buSzPct val="100000"/>
-              <a:buChar char="●"/>
-            </a:pPr>
-            <a:r>
-              <a:rPr lang="ru" sz="1100">
-                <a:solidFill>
-                  <a:schemeClr val="dk1"/>
-                </a:solidFill>
-              </a:rPr>
-              <a:t>Если </a:t>
-            </a:r>
-            <a:r>
-              <a:rPr lang="ru" sz="1100">
-                <a:solidFill>
-                  <a:srgbClr val="188038"/>
-                </a:solidFill>
-                <a:latin typeface="Roboto Mono"/>
-                <a:ea typeface="Roboto Mono"/>
-                <a:cs typeface="Roboto Mono"/>
-                <a:sym typeface="Roboto Mono"/>
-              </a:rPr>
-              <a:t>len(path) == n</a:t>
-            </a:r>
-            <a:r>
-              <a:rPr lang="ru" sz="1100">
-                <a:solidFill>
-                  <a:schemeClr val="dk1"/>
-                </a:solidFill>
-              </a:rPr>
-              <a:t>, проверяем замыкание:</a:t>
-            </a:r>
-            <a:br>
-              <a:rPr lang="ru" sz="1100">
-                <a:solidFill>
-                  <a:schemeClr val="dk1"/>
-                </a:solidFill>
-              </a:rPr>
-            </a:br>
-            <a:r>
-              <a:rPr lang="ru" sz="1100">
-                <a:solidFill>
-                  <a:schemeClr val="dk1"/>
-                </a:solidFill>
-              </a:rPr>
-              <a:t> </a:t>
-            </a:r>
-            <a:r>
-              <a:rPr lang="ru" sz="1100">
-                <a:solidFill>
-                  <a:srgbClr val="188038"/>
-                </a:solidFill>
-                <a:latin typeface="Roboto Mono"/>
-                <a:ea typeface="Roboto Mono"/>
-                <a:cs typeface="Roboto Mono"/>
-                <a:sym typeface="Roboto Mono"/>
-              </a:rPr>
-              <a:t>getLastLetter(words[currentIdx]) == words[path[0]][0]</a:t>
-            </a:r>
-            <a:br>
-              <a:rPr lang="ru" sz="1100">
-                <a:solidFill>
-                  <a:srgbClr val="188038"/>
-                </a:solidFill>
-                <a:latin typeface="Roboto Mono"/>
-                <a:ea typeface="Roboto Mono"/>
-                <a:cs typeface="Roboto Mono"/>
-                <a:sym typeface="Roboto Mono"/>
-              </a:rPr>
-            </a:br>
-            <a:endParaRPr sz="1100">
-              <a:solidFill>
-                <a:srgbClr val="188038"/>
-              </a:solidFill>
-              <a:latin typeface="Roboto Mono"/>
-              <a:ea typeface="Roboto Mono"/>
-              <a:cs typeface="Roboto Mono"/>
-              <a:sym typeface="Roboto Mono"/>
-            </a:endParaRPr>
-          </a:p>
-          <a:p>
-            <a:pPr indent="-293211" lvl="0" marL="457200" rtl="0" algn="l">
-              <a:spcBef>
-                <a:spcPts val="0"/>
-              </a:spcBef>
-              <a:spcAft>
-                <a:spcPts val="0"/>
-              </a:spcAft>
-              <a:buClr>
-                <a:schemeClr val="dk1"/>
-              </a:buClr>
-              <a:buSzPct val="100000"/>
-              <a:buChar char="●"/>
-            </a:pPr>
-            <a:r>
-              <a:rPr lang="ru" sz="1100">
-                <a:solidFill>
-                  <a:schemeClr val="dk1"/>
-                </a:solidFill>
-              </a:rPr>
-              <a:t>Иначе перебираем все соседи по последней букве и рекурсивно зовём DFS</a:t>
-            </a:r>
-            <a:br>
-              <a:rPr lang="ru" sz="1100">
-                <a:solidFill>
-                  <a:schemeClr val="dk1"/>
-                </a:solidFill>
-              </a:rPr>
-            </a:br>
-            <a:endParaRPr sz="1100">
-              <a:solidFill>
-                <a:schemeClr val="dk1"/>
-              </a:solidFill>
-            </a:endParaRPr>
-          </a:p>
-          <a:p>
-            <a:pPr indent="-293211" lvl="0" marL="457200" rtl="0" algn="l">
-              <a:spcBef>
-                <a:spcPts val="0"/>
-              </a:spcBef>
-              <a:spcAft>
-                <a:spcPts val="0"/>
-              </a:spcAft>
-              <a:buClr>
-                <a:schemeClr val="dk1"/>
-              </a:buClr>
-              <a:buSzPct val="100000"/>
-              <a:buChar char="●"/>
-            </a:pPr>
-            <a:r>
-              <a:rPr lang="ru" sz="1100">
-                <a:solidFill>
-                  <a:schemeClr val="dk1"/>
-                </a:solidFill>
-              </a:rPr>
-              <a:t>Если неудача, откатываем: убираем из </a:t>
-            </a:r>
-            <a:r>
-              <a:rPr lang="ru" sz="1100">
-                <a:solidFill>
-                  <a:srgbClr val="188038"/>
-                </a:solidFill>
-                <a:latin typeface="Roboto Mono"/>
-                <a:ea typeface="Roboto Mono"/>
-                <a:cs typeface="Roboto Mono"/>
-                <a:sym typeface="Roboto Mono"/>
-              </a:rPr>
-              <a:t>used</a:t>
-            </a:r>
-            <a:r>
-              <a:rPr lang="ru" sz="1100">
-                <a:solidFill>
-                  <a:schemeClr val="dk1"/>
-                </a:solidFill>
-              </a:rPr>
-              <a:t> и из </a:t>
-            </a:r>
-            <a:r>
-              <a:rPr lang="ru" sz="1100">
-                <a:solidFill>
-                  <a:srgbClr val="188038"/>
-                </a:solidFill>
-                <a:latin typeface="Roboto Mono"/>
-                <a:ea typeface="Roboto Mono"/>
-                <a:cs typeface="Roboto Mono"/>
-                <a:sym typeface="Roboto Mono"/>
-              </a:rPr>
-              <a:t>path</a:t>
-            </a:r>
-            <a:br>
-              <a:rPr lang="ru" sz="1100">
-                <a:solidFill>
-                  <a:srgbClr val="188038"/>
-                </a:solidFill>
-                <a:latin typeface="Roboto Mono"/>
-                <a:ea typeface="Roboto Mono"/>
-                <a:cs typeface="Roboto Mono"/>
-                <a:sym typeface="Roboto Mono"/>
-              </a:rPr>
-            </a:br>
-            <a:endParaRPr sz="1100">
-              <a:solidFill>
-                <a:srgbClr val="188038"/>
-              </a:solidFill>
-              <a:latin typeface="Roboto Mono"/>
-              <a:ea typeface="Roboto Mono"/>
-              <a:cs typeface="Roboto Mono"/>
-              <a:sym typeface="Roboto Mono"/>
-            </a:endParaRPr>
-          </a:p>
-          <a:p>
-            <a:pPr indent="0" lvl="0" marL="0" rtl="0" algn="l">
-              <a:spcBef>
-                <a:spcPts val="1200"/>
-              </a:spcBef>
-              <a:spcAft>
-                <a:spcPts val="0"/>
-              </a:spcAft>
-              <a:buNone/>
-            </a:pPr>
-            <a:r>
-              <a:rPr lang="ru" sz="1100">
-                <a:solidFill>
-                  <a:schemeClr val="dk1"/>
-                </a:solidFill>
-              </a:rPr>
-              <a:t>Первый успешный путь возвращаем как ответ</a:t>
+              <a:t/>
             </a:r>
             <a:endParaRPr sz="1100">
               <a:solidFill>
@@ -7764,14 +9136,14 @@
       </p:sp>
       <p:sp>
         <p:nvSpPr>
-          <p:cNvPr id="84" name="Google Shape;84;p17"/>
+          <p:cNvPr id="87" name="Google Shape;87;p17"/>
           <p:cNvSpPr txBox="1"/>
           <p:nvPr/>
         </p:nvSpPr>
         <p:spPr>
           <a:xfrm>
-            <a:off x="4398850" y="1085850"/>
-            <a:ext cx="4604400" cy="1908600"/>
+            <a:off x="311700" y="1152475"/>
+            <a:ext cx="4332900" cy="2712000"/>
           </a:xfrm>
           <a:prstGeom prst="rect">
             <a:avLst/>
@@ -7788,8 +9160,11 @@
           <a:lstStyle/>
           <a:p>
             <a:pPr indent="0" lvl="0" marL="0" rtl="0" algn="l">
-              <a:spcBef>
-                <a:spcPts val="0"/>
+              <a:lnSpc>
+                <a:spcPct val="115000"/>
+              </a:lnSpc>
+              <a:spcBef>
+                <a:spcPts val="1200"/>
               </a:spcBef>
               <a:spcAft>
                 <a:spcPts val="0"/>
@@ -7797,15 +9172,31 @@
               <a:buNone/>
             </a:pPr>
             <a:r>
-              <a:rPr lang="ru"/>
-              <a:t>[Start at word i] → [Push i в path, used] → </a:t>
+              <a:rPr b="1" lang="ru">
+                <a:solidFill>
+                  <a:schemeClr val="dk1"/>
+                </a:solidFill>
+                <a:latin typeface="Montserrat"/>
+                <a:ea typeface="Montserrat"/>
+                <a:cs typeface="Montserrat"/>
+                <a:sym typeface="Montserrat"/>
+              </a:rPr>
+              <a:t>Пример: слова арфа апельсин нос шум</a:t>
             </a:r>
-            <a:endParaRPr/>
+            <a:endParaRPr b="1">
+              <a:solidFill>
+                <a:schemeClr val="dk1"/>
+              </a:solidFill>
+              <a:latin typeface="Montserrat"/>
+              <a:ea typeface="Montserrat"/>
+              <a:cs typeface="Montserrat"/>
+              <a:sym typeface="Montserrat"/>
+            </a:endParaRPr>
           </a:p>
           <a:p>
             <a:pPr indent="0" lvl="0" marL="0" rtl="0" algn="l">
               <a:spcBef>
-                <a:spcPts val="0"/>
+                <a:spcPts val="1200"/>
               </a:spcBef>
               <a:spcAft>
                 <a:spcPts val="0"/>
@@ -7813,10 +9204,26 @@
               <a:buNone/>
             </a:pPr>
             <a:r>
-              <a:rPr lang="ru"/>
-              <a:t>Is path.length == n?</a:t>
+              <a:rPr lang="ru">
+                <a:solidFill>
+                  <a:schemeClr val="dk1"/>
+                </a:solidFill>
+                <a:latin typeface="Montserrat"/>
+                <a:ea typeface="Montserrat"/>
+                <a:cs typeface="Montserrat"/>
+                <a:sym typeface="Montserrat"/>
+              </a:rPr>
+              <a:t>start=0 (арфа): last='а'</a:t>
             </a:r>
-            <a:endParaRPr/>
+            <a:endParaRPr>
+              <a:solidFill>
+                <a:schemeClr val="dk1"/>
+              </a:solidFill>
+              <a:latin typeface="Montserrat"/>
+              <a:ea typeface="Montserrat"/>
+              <a:cs typeface="Montserrat"/>
+              <a:sym typeface="Montserrat"/>
+            </a:endParaRPr>
           </a:p>
           <a:p>
             <a:pPr indent="0" lvl="0" marL="0" rtl="0" algn="l">
@@ -7829,10 +9236,26 @@
               <a:buNone/>
             </a:pPr>
             <a:r>
-              <a:rPr lang="ru"/>
-              <a:t> – Да → [Проверить closure] → End </a:t>
+              <a:rPr lang="ru">
+                <a:solidFill>
+                  <a:schemeClr val="dk1"/>
+                </a:solidFill>
+                <a:latin typeface="Montserrat"/>
+                <a:ea typeface="Montserrat"/>
+                <a:cs typeface="Montserrat"/>
+                <a:sym typeface="Montserrat"/>
+              </a:rPr>
+              <a:t> graph['а'] → [0,1]</a:t>
             </a:r>
-            <a:endParaRPr/>
+            <a:endParaRPr>
+              <a:solidFill>
+                <a:schemeClr val="dk1"/>
+              </a:solidFill>
+              <a:latin typeface="Montserrat"/>
+              <a:ea typeface="Montserrat"/>
+              <a:cs typeface="Montserrat"/>
+              <a:sym typeface="Montserrat"/>
+            </a:endParaRPr>
           </a:p>
           <a:p>
             <a:pPr indent="0" lvl="0" marL="0" rtl="0" algn="l">
@@ -7841,18 +9264,303 @@
               </a:spcBef>
               <a:spcAft>
                 <a:spcPts val="0"/>
+              </a:spcAft>
+              <a:buNone/>
+            </a:pPr>
+            <a:r>
+              <a:rPr lang="ru">
+                <a:solidFill>
+                  <a:schemeClr val="dk1"/>
+                </a:solidFill>
+                <a:latin typeface="Montserrat"/>
+                <a:ea typeface="Montserrat"/>
+                <a:cs typeface="Montserrat"/>
+                <a:sym typeface="Montserrat"/>
+              </a:rPr>
+              <a:t> try 1 (апельсин): last='н'</a:t>
+            </a:r>
+            <a:endParaRPr>
+              <a:solidFill>
+                <a:schemeClr val="dk1"/>
+              </a:solidFill>
+              <a:latin typeface="Montserrat"/>
+              <a:ea typeface="Montserrat"/>
+              <a:cs typeface="Montserrat"/>
+              <a:sym typeface="Montserrat"/>
+            </a:endParaRPr>
+          </a:p>
+          <a:p>
+            <a:pPr indent="0" lvl="0" marL="0" rtl="0" algn="l">
+              <a:spcBef>
+                <a:spcPts val="0"/>
+              </a:spcBef>
+              <a:spcAft>
+                <a:spcPts val="0"/>
+              </a:spcAft>
+              <a:buNone/>
+            </a:pPr>
+            <a:r>
+              <a:rPr lang="ru">
+                <a:solidFill>
+                  <a:schemeClr val="dk1"/>
+                </a:solidFill>
+                <a:latin typeface="Montserrat"/>
+                <a:ea typeface="Montserrat"/>
+                <a:cs typeface="Montserrat"/>
+                <a:sym typeface="Montserrat"/>
+              </a:rPr>
+              <a:t>  graph['н'] → [2]</a:t>
+            </a:r>
+            <a:endParaRPr>
+              <a:solidFill>
+                <a:schemeClr val="dk1"/>
+              </a:solidFill>
+              <a:latin typeface="Montserrat"/>
+              <a:ea typeface="Montserrat"/>
+              <a:cs typeface="Montserrat"/>
+              <a:sym typeface="Montserrat"/>
+            </a:endParaRPr>
+          </a:p>
+          <a:p>
+            <a:pPr indent="0" lvl="0" marL="0" rtl="0" algn="l">
+              <a:spcBef>
+                <a:spcPts val="0"/>
+              </a:spcBef>
+              <a:spcAft>
+                <a:spcPts val="0"/>
+              </a:spcAft>
+              <a:buNone/>
+            </a:pPr>
+            <a:r>
+              <a:rPr lang="ru">
+                <a:solidFill>
+                  <a:schemeClr val="dk1"/>
+                </a:solidFill>
+                <a:latin typeface="Montserrat"/>
+                <a:ea typeface="Montserrat"/>
+                <a:cs typeface="Montserrat"/>
+                <a:sym typeface="Montserrat"/>
+              </a:rPr>
+              <a:t>  try 2 (нос): last='с'</a:t>
+            </a:r>
+            <a:endParaRPr>
+              <a:solidFill>
+                <a:schemeClr val="dk1"/>
+              </a:solidFill>
+              <a:latin typeface="Montserrat"/>
+              <a:ea typeface="Montserrat"/>
+              <a:cs typeface="Montserrat"/>
+              <a:sym typeface="Montserrat"/>
+            </a:endParaRPr>
+          </a:p>
+          <a:p>
+            <a:pPr indent="0" lvl="0" marL="0" rtl="0" algn="l">
+              <a:spcBef>
+                <a:spcPts val="0"/>
+              </a:spcBef>
+              <a:spcAft>
+                <a:spcPts val="0"/>
+              </a:spcAft>
+              <a:buNone/>
+            </a:pPr>
+            <a:r>
+              <a:rPr lang="ru">
+                <a:solidFill>
+                  <a:schemeClr val="dk1"/>
+                </a:solidFill>
+                <a:latin typeface="Montserrat"/>
+                <a:ea typeface="Montserrat"/>
+                <a:cs typeface="Montserrat"/>
+                <a:sym typeface="Montserrat"/>
+              </a:rPr>
+              <a:t>   graph['с'] → [3]</a:t>
+            </a:r>
+            <a:endParaRPr>
+              <a:solidFill>
+                <a:schemeClr val="dk1"/>
+              </a:solidFill>
+              <a:latin typeface="Montserrat"/>
+              <a:ea typeface="Montserrat"/>
+              <a:cs typeface="Montserrat"/>
+              <a:sym typeface="Montserrat"/>
+            </a:endParaRPr>
+          </a:p>
+          <a:p>
+            <a:pPr indent="0" lvl="0" marL="0" rtl="0" algn="l">
+              <a:spcBef>
+                <a:spcPts val="0"/>
+              </a:spcBef>
+              <a:spcAft>
+                <a:spcPts val="0"/>
+              </a:spcAft>
+              <a:buNone/>
+            </a:pPr>
+            <a:r>
+              <a:rPr lang="ru">
+                <a:solidFill>
+                  <a:schemeClr val="dk1"/>
+                </a:solidFill>
+                <a:latin typeface="Montserrat"/>
+                <a:ea typeface="Montserrat"/>
+                <a:cs typeface="Montserrat"/>
+                <a:sym typeface="Montserrat"/>
+              </a:rPr>
+              <a:t>   try 3 (шум): last='м'</a:t>
+            </a:r>
+            <a:endParaRPr>
+              <a:solidFill>
+                <a:schemeClr val="dk1"/>
+              </a:solidFill>
+              <a:latin typeface="Montserrat"/>
+              <a:ea typeface="Montserrat"/>
+              <a:cs typeface="Montserrat"/>
+              <a:sym typeface="Montserrat"/>
+            </a:endParaRPr>
+          </a:p>
+          <a:p>
+            <a:pPr indent="0" lvl="0" marL="0" rtl="0" algn="l">
+              <a:lnSpc>
+                <a:spcPct val="115000"/>
+              </a:lnSpc>
+              <a:spcBef>
+                <a:spcPts val="0"/>
+              </a:spcBef>
+              <a:spcAft>
+                <a:spcPts val="0"/>
+              </a:spcAft>
+              <a:buNone/>
+            </a:pPr>
+            <a:r>
+              <a:rPr lang="ru">
+                <a:solidFill>
+                  <a:schemeClr val="dk1"/>
+                </a:solidFill>
+                <a:latin typeface="Montserrat"/>
+                <a:ea typeface="Montserrat"/>
+                <a:cs typeface="Montserrat"/>
+                <a:sym typeface="Montserrat"/>
+              </a:rPr>
+              <a:t>    graph['м'] → [] → откат</a:t>
+            </a:r>
+            <a:endParaRPr>
+              <a:solidFill>
+                <a:schemeClr val="dk1"/>
+              </a:solidFill>
+              <a:latin typeface="Montserrat"/>
+              <a:ea typeface="Montserrat"/>
+              <a:cs typeface="Montserrat"/>
+              <a:sym typeface="Montserrat"/>
+            </a:endParaRPr>
+          </a:p>
+          <a:p>
+            <a:pPr indent="0" lvl="0" marL="0" rtl="0" algn="l">
+              <a:lnSpc>
+                <a:spcPct val="115000"/>
+              </a:lnSpc>
+              <a:spcBef>
+                <a:spcPts val="1200"/>
+              </a:spcBef>
+              <a:spcAft>
+                <a:spcPts val="1200"/>
               </a:spcAft>
               <a:buNone/>
             </a:pPr>
             <a:r>
               <a:t/>
             </a:r>
-            <a:endParaRPr/>
+            <a:endParaRPr b="1">
+              <a:solidFill>
+                <a:schemeClr val="dk1"/>
+              </a:solidFill>
+              <a:latin typeface="Montserrat"/>
+              <a:ea typeface="Montserrat"/>
+              <a:cs typeface="Montserrat"/>
+              <a:sym typeface="Montserrat"/>
+            </a:endParaRPr>
+          </a:p>
+        </p:txBody>
+      </p:sp>
+      <p:sp>
+        <p:nvSpPr>
+          <p:cNvPr id="88" name="Google Shape;88;p17"/>
+          <p:cNvSpPr txBox="1"/>
+          <p:nvPr/>
+        </p:nvSpPr>
+        <p:spPr>
+          <a:xfrm>
+            <a:off x="4638525" y="1128750"/>
+            <a:ext cx="4136100" cy="2526000"/>
+          </a:xfrm>
+          <a:prstGeom prst="rect">
+            <a:avLst/>
+          </a:prstGeom>
+          <a:noFill/>
+          <a:ln>
+            <a:noFill/>
+          </a:ln>
+        </p:spPr>
+        <p:txBody>
+          <a:bodyPr anchorCtr="0" anchor="t" bIns="91425" lIns="91425" spcFirstLastPara="1" rIns="91425" wrap="square" tIns="91425">
+            <a:spAutoFit/>
+          </a:bodyPr>
+          <a:lstStyle/>
+          <a:p>
+            <a:pPr indent="0" lvl="0" marL="0" rtl="0" algn="l">
+              <a:lnSpc>
+                <a:spcPct val="115000"/>
+              </a:lnSpc>
+              <a:spcBef>
+                <a:spcPts val="1200"/>
+              </a:spcBef>
+              <a:spcAft>
+                <a:spcPts val="0"/>
+              </a:spcAft>
+              <a:buNone/>
+            </a:pPr>
+            <a:r>
+              <a:rPr b="1" lang="ru">
+                <a:solidFill>
+                  <a:schemeClr val="dk1"/>
+                </a:solidFill>
+                <a:latin typeface="Montserrat"/>
+                <a:ea typeface="Montserrat"/>
+                <a:cs typeface="Montserrat"/>
+                <a:sym typeface="Montserrat"/>
+              </a:rPr>
+              <a:t>Пример: </a:t>
+            </a:r>
+            <a:r>
+              <a:rPr b="1" lang="ru">
+                <a:solidFill>
+                  <a:schemeClr val="dk1"/>
+                </a:solidFill>
+                <a:highlight>
+                  <a:schemeClr val="lt1"/>
+                </a:highlight>
+                <a:latin typeface="Montserrat"/>
+                <a:ea typeface="Montserrat"/>
+                <a:cs typeface="Montserrat"/>
+                <a:sym typeface="Montserrat"/>
+              </a:rPr>
+              <a:t>зонт ток корова арбуз</a:t>
+            </a:r>
+            <a:endParaRPr b="1">
+              <a:solidFill>
+                <a:schemeClr val="dk1"/>
+              </a:solidFill>
+              <a:highlight>
+                <a:schemeClr val="lt1"/>
+              </a:highlight>
+              <a:latin typeface="Montserrat"/>
+              <a:ea typeface="Montserrat"/>
+              <a:cs typeface="Montserrat"/>
+              <a:sym typeface="Montserrat"/>
+            </a:endParaRPr>
           </a:p>
           <a:p>
             <a:pPr indent="0" lvl="0" marL="0" rtl="0" algn="l">
               <a:spcBef>
-                <a:spcPts val="0"/>
+                <a:spcPts val="1200"/>
               </a:spcBef>
               <a:spcAft>
                 <a:spcPts val="0"/>
@@ -7860,10 +9568,20 @@
               <a:buNone/>
             </a:pPr>
             <a:r>
-              <a:rPr lang="ru"/>
-              <a:t> – Нет → [Для каждого соседа j по последней букве]  </a:t>
+              <a:rPr lang="ru">
+                <a:latin typeface="Montserrat"/>
+                <a:ea typeface="Montserrat"/>
+                <a:cs typeface="Montserrat"/>
+                <a:sym typeface="Montserrat"/>
+              </a:rPr>
+              <a:t>start=0 (зонт): last='т'</a:t>
             </a:r>
-            <a:endParaRPr/>
+            <a:endParaRPr>
+              <a:latin typeface="Montserrat"/>
+              <a:ea typeface="Montserrat"/>
+              <a:cs typeface="Montserrat"/>
+              <a:sym typeface="Montserrat"/>
+            </a:endParaRPr>
           </a:p>
           <a:p>
             <a:pPr indent="0" lvl="0" marL="0" rtl="0" algn="l">
@@ -7876,10 +9594,20 @@
               <a:buNone/>
             </a:pPr>
             <a:r>
-              <a:rPr lang="ru"/>
-              <a:t> → Визуально показать стрелку в рекурсивный блок “DFS(j)” → [Если не найден] откат (pop)  </a:t>
+              <a:rPr lang="ru">
+                <a:latin typeface="Montserrat"/>
+                <a:ea typeface="Montserrat"/>
+                <a:cs typeface="Montserrat"/>
+                <a:sym typeface="Montserrat"/>
+              </a:rPr>
+              <a:t> graph['т'] → [1]</a:t>
             </a:r>
-            <a:endParaRPr/>
+            <a:endParaRPr>
+              <a:latin typeface="Montserrat"/>
+              <a:ea typeface="Montserrat"/>
+              <a:cs typeface="Montserrat"/>
+              <a:sym typeface="Montserrat"/>
+            </a:endParaRPr>
           </a:p>
           <a:p>
             <a:pPr indent="0" lvl="0" marL="0" rtl="0" algn="l">
@@ -7892,9 +9620,488 @@
               <a:buNone/>
             </a:pPr>
             <a:r>
-              <a:t/>
+              <a:rPr lang="ru">
+                <a:latin typeface="Montserrat"/>
+                <a:ea typeface="Montserrat"/>
+                <a:cs typeface="Montserrat"/>
+                <a:sym typeface="Montserrat"/>
+              </a:rPr>
+              <a:t> try 1 (ток): last='к'</a:t>
             </a:r>
-            <a:endParaRPr/>
+            <a:endParaRPr>
+              <a:latin typeface="Montserrat"/>
+              <a:ea typeface="Montserrat"/>
+              <a:cs typeface="Montserrat"/>
+              <a:sym typeface="Montserrat"/>
+            </a:endParaRPr>
+          </a:p>
+          <a:p>
+            <a:pPr indent="0" lvl="0" marL="0" rtl="0" algn="l">
+              <a:spcBef>
+                <a:spcPts val="0"/>
+              </a:spcBef>
+              <a:spcAft>
+                <a:spcPts val="0"/>
+              </a:spcAft>
+              <a:buNone/>
+            </a:pPr>
+            <a:r>
+              <a:rPr lang="ru">
+                <a:latin typeface="Montserrat"/>
+                <a:ea typeface="Montserrat"/>
+                <a:cs typeface="Montserrat"/>
+                <a:sym typeface="Montserrat"/>
+              </a:rPr>
+              <a:t>  graph['к'] → [2]</a:t>
+            </a:r>
+            <a:endParaRPr>
+              <a:latin typeface="Montserrat"/>
+              <a:ea typeface="Montserrat"/>
+              <a:cs typeface="Montserrat"/>
+              <a:sym typeface="Montserrat"/>
+            </a:endParaRPr>
+          </a:p>
+          <a:p>
+            <a:pPr indent="0" lvl="0" marL="0" rtl="0" algn="l">
+              <a:spcBef>
+                <a:spcPts val="0"/>
+              </a:spcBef>
+              <a:spcAft>
+                <a:spcPts val="0"/>
+              </a:spcAft>
+              <a:buNone/>
+            </a:pPr>
+            <a:r>
+              <a:rPr lang="ru">
+                <a:latin typeface="Montserrat"/>
+                <a:ea typeface="Montserrat"/>
+                <a:cs typeface="Montserrat"/>
+                <a:sym typeface="Montserrat"/>
+              </a:rPr>
+              <a:t>  try 2 (корова): last='а'</a:t>
+            </a:r>
+            <a:endParaRPr>
+              <a:latin typeface="Montserrat"/>
+              <a:ea typeface="Montserrat"/>
+              <a:cs typeface="Montserrat"/>
+              <a:sym typeface="Montserrat"/>
+            </a:endParaRPr>
+          </a:p>
+          <a:p>
+            <a:pPr indent="0" lvl="0" marL="0" rtl="0" algn="l">
+              <a:spcBef>
+                <a:spcPts val="0"/>
+              </a:spcBef>
+              <a:spcAft>
+                <a:spcPts val="0"/>
+              </a:spcAft>
+              <a:buNone/>
+            </a:pPr>
+            <a:r>
+              <a:rPr lang="ru">
+                <a:latin typeface="Montserrat"/>
+                <a:ea typeface="Montserrat"/>
+                <a:cs typeface="Montserrat"/>
+                <a:sym typeface="Montserrat"/>
+              </a:rPr>
+              <a:t>   graph['а'] → [3]</a:t>
+            </a:r>
+            <a:endParaRPr>
+              <a:latin typeface="Montserrat"/>
+              <a:ea typeface="Montserrat"/>
+              <a:cs typeface="Montserrat"/>
+              <a:sym typeface="Montserrat"/>
+            </a:endParaRPr>
+          </a:p>
+          <a:p>
+            <a:pPr indent="0" lvl="0" marL="0" rtl="0" algn="l">
+              <a:spcBef>
+                <a:spcPts val="0"/>
+              </a:spcBef>
+              <a:spcAft>
+                <a:spcPts val="0"/>
+              </a:spcAft>
+              <a:buNone/>
+            </a:pPr>
+            <a:r>
+              <a:rPr lang="ru">
+                <a:latin typeface="Montserrat"/>
+                <a:ea typeface="Montserrat"/>
+                <a:cs typeface="Montserrat"/>
+                <a:sym typeface="Montserrat"/>
+              </a:rPr>
+              <a:t>   try 3 (арбуз): last='з'</a:t>
+            </a:r>
+            <a:endParaRPr>
+              <a:latin typeface="Montserrat"/>
+              <a:ea typeface="Montserrat"/>
+              <a:cs typeface="Montserrat"/>
+              <a:sym typeface="Montserrat"/>
+            </a:endParaRPr>
+          </a:p>
+          <a:p>
+            <a:pPr indent="0" lvl="0" marL="0" rtl="0" algn="l">
+              <a:spcBef>
+                <a:spcPts val="0"/>
+              </a:spcBef>
+              <a:spcAft>
+                <a:spcPts val="0"/>
+              </a:spcAft>
+              <a:buNone/>
+            </a:pPr>
+            <a:r>
+              <a:rPr lang="ru">
+                <a:latin typeface="Montserrat"/>
+                <a:ea typeface="Montserrat"/>
+                <a:cs typeface="Montserrat"/>
+                <a:sym typeface="Montserrat"/>
+              </a:rPr>
+              <a:t>    len(path)==4 → проверяем last=='з' == first=='з' → УСПЕХ</a:t>
+            </a:r>
+            <a:endParaRPr>
+              <a:latin typeface="Montserrat"/>
+              <a:ea typeface="Montserrat"/>
+              <a:cs typeface="Montserrat"/>
+              <a:sym typeface="Montserrat"/>
+            </a:endParaRPr>
+          </a:p>
+        </p:txBody>
+      </p:sp>
+      <p:sp>
+        <p:nvSpPr>
+          <p:cNvPr id="89" name="Google Shape;89;p17"/>
+          <p:cNvSpPr txBox="1"/>
+          <p:nvPr/>
+        </p:nvSpPr>
+        <p:spPr>
+          <a:xfrm>
+            <a:off x="387900" y="3592775"/>
+            <a:ext cx="3000000" cy="1262100"/>
+          </a:xfrm>
+          <a:prstGeom prst="rect">
+            <a:avLst/>
+          </a:prstGeom>
+          <a:noFill/>
+          <a:ln>
+            <a:noFill/>
+          </a:ln>
+        </p:spPr>
+        <p:txBody>
+          <a:bodyPr anchorCtr="0" anchor="t" bIns="91425" lIns="91425" spcFirstLastPara="1" rIns="91425" wrap="square" tIns="91425">
+            <a:spAutoFit/>
+          </a:bodyPr>
+          <a:lstStyle/>
+          <a:p>
+            <a:pPr indent="0" lvl="0" marL="0" rtl="0" algn="l">
+              <a:spcBef>
+                <a:spcPts val="0"/>
+              </a:spcBef>
+              <a:spcAft>
+                <a:spcPts val="0"/>
+              </a:spcAft>
+              <a:buNone/>
+            </a:pPr>
+            <a:r>
+              <a:rPr lang="ru">
+                <a:latin typeface="Montserrat"/>
+                <a:ea typeface="Montserrat"/>
+                <a:cs typeface="Montserrat"/>
+                <a:sym typeface="Montserrat"/>
+              </a:rPr>
+              <a:t>graph = {</a:t>
+            </a:r>
+            <a:endParaRPr>
+              <a:latin typeface="Montserrat"/>
+              <a:ea typeface="Montserrat"/>
+              <a:cs typeface="Montserrat"/>
+              <a:sym typeface="Montserrat"/>
+            </a:endParaRPr>
+          </a:p>
+          <a:p>
+            <a:pPr indent="0" lvl="0" marL="0" rtl="0" algn="l">
+              <a:spcBef>
+                <a:spcPts val="0"/>
+              </a:spcBef>
+              <a:spcAft>
+                <a:spcPts val="0"/>
+              </a:spcAft>
+              <a:buNone/>
+            </a:pPr>
+            <a:r>
+              <a:rPr lang="ru">
+                <a:latin typeface="Montserrat"/>
+                <a:ea typeface="Montserrat"/>
+                <a:cs typeface="Montserrat"/>
+                <a:sym typeface="Montserrat"/>
+              </a:rPr>
+              <a:t>    'а': [0, 1],  # 'арфа', 'апельсин'</a:t>
+            </a:r>
+            <a:endParaRPr>
+              <a:latin typeface="Montserrat"/>
+              <a:ea typeface="Montserrat"/>
+              <a:cs typeface="Montserrat"/>
+              <a:sym typeface="Montserrat"/>
+            </a:endParaRPr>
+          </a:p>
+          <a:p>
+            <a:pPr indent="0" lvl="0" marL="0" rtl="0" algn="l">
+              <a:spcBef>
+                <a:spcPts val="0"/>
+              </a:spcBef>
+              <a:spcAft>
+                <a:spcPts val="0"/>
+              </a:spcAft>
+              <a:buNone/>
+            </a:pPr>
+            <a:r>
+              <a:rPr lang="ru">
+                <a:latin typeface="Montserrat"/>
+                <a:ea typeface="Montserrat"/>
+                <a:cs typeface="Montserrat"/>
+                <a:sym typeface="Montserrat"/>
+              </a:rPr>
+              <a:t>    'н': [2],     # 'нос'</a:t>
+            </a:r>
+            <a:endParaRPr>
+              <a:latin typeface="Montserrat"/>
+              <a:ea typeface="Montserrat"/>
+              <a:cs typeface="Montserrat"/>
+              <a:sym typeface="Montserrat"/>
+            </a:endParaRPr>
+          </a:p>
+          <a:p>
+            <a:pPr indent="0" lvl="0" marL="0" rtl="0" algn="l">
+              <a:spcBef>
+                <a:spcPts val="0"/>
+              </a:spcBef>
+              <a:spcAft>
+                <a:spcPts val="0"/>
+              </a:spcAft>
+              <a:buNone/>
+            </a:pPr>
+            <a:r>
+              <a:rPr lang="ru">
+                <a:latin typeface="Montserrat"/>
+                <a:ea typeface="Montserrat"/>
+                <a:cs typeface="Montserrat"/>
+                <a:sym typeface="Montserrat"/>
+              </a:rPr>
+              <a:t>    'ш': [3]      # 'шум'</a:t>
+            </a:r>
+            <a:endParaRPr>
+              <a:latin typeface="Montserrat"/>
+              <a:ea typeface="Montserrat"/>
+              <a:cs typeface="Montserrat"/>
+              <a:sym typeface="Montserrat"/>
+            </a:endParaRPr>
+          </a:p>
+          <a:p>
+            <a:pPr indent="0" lvl="0" marL="0" rtl="0" algn="l">
+              <a:spcBef>
+                <a:spcPts val="0"/>
+              </a:spcBef>
+              <a:spcAft>
+                <a:spcPts val="0"/>
+              </a:spcAft>
+              <a:buNone/>
+            </a:pPr>
+            <a:r>
+              <a:rPr lang="ru">
+                <a:latin typeface="Montserrat"/>
+                <a:ea typeface="Montserrat"/>
+                <a:cs typeface="Montserrat"/>
+                <a:sym typeface="Montserrat"/>
+              </a:rPr>
+              <a:t>}</a:t>
+            </a:r>
+            <a:endParaRPr>
+              <a:latin typeface="Montserrat"/>
+              <a:ea typeface="Montserrat"/>
+              <a:cs typeface="Montserrat"/>
+              <a:sym typeface="Montserrat"/>
+            </a:endParaRPr>
+          </a:p>
+        </p:txBody>
+      </p:sp>
+      <p:sp>
+        <p:nvSpPr>
+          <p:cNvPr id="90" name="Google Shape;90;p17"/>
+          <p:cNvSpPr txBox="1"/>
+          <p:nvPr/>
+        </p:nvSpPr>
+        <p:spPr>
+          <a:xfrm>
+            <a:off x="4691150" y="3578550"/>
+            <a:ext cx="3000000" cy="1477500"/>
+          </a:xfrm>
+          <a:prstGeom prst="rect">
+            <a:avLst/>
+          </a:prstGeom>
+          <a:noFill/>
+          <a:ln>
+            <a:noFill/>
+          </a:ln>
+        </p:spPr>
+        <p:txBody>
+          <a:bodyPr anchorCtr="0" anchor="t" bIns="91425" lIns="91425" spcFirstLastPara="1" rIns="91425" wrap="square" tIns="91425">
+            <a:spAutoFit/>
+          </a:bodyPr>
+          <a:lstStyle/>
+          <a:p>
+            <a:pPr indent="0" lvl="0" marL="0" rtl="0" algn="l">
+              <a:spcBef>
+                <a:spcPts val="0"/>
+              </a:spcBef>
+              <a:spcAft>
+                <a:spcPts val="0"/>
+              </a:spcAft>
+              <a:buNone/>
+            </a:pPr>
+            <a:r>
+              <a:rPr lang="ru">
+                <a:latin typeface="Montserrat"/>
+                <a:ea typeface="Montserrat"/>
+                <a:cs typeface="Montserrat"/>
+                <a:sym typeface="Montserrat"/>
+              </a:rPr>
+              <a:t>graph = {</a:t>
+            </a:r>
+            <a:endParaRPr>
+              <a:latin typeface="Montserrat"/>
+              <a:ea typeface="Montserrat"/>
+              <a:cs typeface="Montserrat"/>
+              <a:sym typeface="Montserrat"/>
+            </a:endParaRPr>
+          </a:p>
+          <a:p>
+            <a:pPr indent="0" lvl="0" marL="0" rtl="0" algn="l">
+              <a:spcBef>
+                <a:spcPts val="0"/>
+              </a:spcBef>
+              <a:spcAft>
+                <a:spcPts val="0"/>
+              </a:spcAft>
+              <a:buNone/>
+            </a:pPr>
+            <a:r>
+              <a:rPr lang="ru">
+                <a:latin typeface="Montserrat"/>
+                <a:ea typeface="Montserrat"/>
+                <a:cs typeface="Montserrat"/>
+                <a:sym typeface="Montserrat"/>
+              </a:rPr>
+              <a:t>    'з': [0],     # 'зонт'</a:t>
+            </a:r>
+            <a:endParaRPr>
+              <a:latin typeface="Montserrat"/>
+              <a:ea typeface="Montserrat"/>
+              <a:cs typeface="Montserrat"/>
+              <a:sym typeface="Montserrat"/>
+            </a:endParaRPr>
+          </a:p>
+          <a:p>
+            <a:pPr indent="0" lvl="0" marL="0" rtl="0" algn="l">
+              <a:spcBef>
+                <a:spcPts val="0"/>
+              </a:spcBef>
+              <a:spcAft>
+                <a:spcPts val="0"/>
+              </a:spcAft>
+              <a:buNone/>
+            </a:pPr>
+            <a:r>
+              <a:rPr lang="ru">
+                <a:latin typeface="Montserrat"/>
+                <a:ea typeface="Montserrat"/>
+                <a:cs typeface="Montserrat"/>
+                <a:sym typeface="Montserrat"/>
+              </a:rPr>
+              <a:t>    'т': [1],     # 'ток'</a:t>
+            </a:r>
+            <a:endParaRPr>
+              <a:latin typeface="Montserrat"/>
+              <a:ea typeface="Montserrat"/>
+              <a:cs typeface="Montserrat"/>
+              <a:sym typeface="Montserrat"/>
+            </a:endParaRPr>
+          </a:p>
+          <a:p>
+            <a:pPr indent="0" lvl="0" marL="0" rtl="0" algn="l">
+              <a:spcBef>
+                <a:spcPts val="0"/>
+              </a:spcBef>
+              <a:spcAft>
+                <a:spcPts val="0"/>
+              </a:spcAft>
+              <a:buNone/>
+            </a:pPr>
+            <a:r>
+              <a:rPr lang="ru">
+                <a:latin typeface="Montserrat"/>
+                <a:ea typeface="Montserrat"/>
+                <a:cs typeface="Montserrat"/>
+                <a:sym typeface="Montserrat"/>
+              </a:rPr>
+              <a:t>    'к': [2],     # 'корова'</a:t>
+            </a:r>
+            <a:endParaRPr>
+              <a:latin typeface="Montserrat"/>
+              <a:ea typeface="Montserrat"/>
+              <a:cs typeface="Montserrat"/>
+              <a:sym typeface="Montserrat"/>
+            </a:endParaRPr>
+          </a:p>
+          <a:p>
+            <a:pPr indent="0" lvl="0" marL="0" rtl="0" algn="l">
+              <a:spcBef>
+                <a:spcPts val="0"/>
+              </a:spcBef>
+              <a:spcAft>
+                <a:spcPts val="0"/>
+              </a:spcAft>
+              <a:buNone/>
+            </a:pPr>
+            <a:r>
+              <a:rPr lang="ru">
+                <a:latin typeface="Montserrat"/>
+                <a:ea typeface="Montserrat"/>
+                <a:cs typeface="Montserrat"/>
+                <a:sym typeface="Montserrat"/>
+              </a:rPr>
+              <a:t>    'а': [3]      # 'арбуз'</a:t>
+            </a:r>
+            <a:endParaRPr>
+              <a:latin typeface="Montserrat"/>
+              <a:ea typeface="Montserrat"/>
+              <a:cs typeface="Montserrat"/>
+              <a:sym typeface="Montserrat"/>
+            </a:endParaRPr>
+          </a:p>
+          <a:p>
+            <a:pPr indent="0" lvl="0" marL="0" rtl="0" algn="l">
+              <a:spcBef>
+                <a:spcPts val="0"/>
+              </a:spcBef>
+              <a:spcAft>
+                <a:spcPts val="0"/>
+              </a:spcAft>
+              <a:buNone/>
+            </a:pPr>
+            <a:r>
+              <a:rPr lang="ru">
+                <a:latin typeface="Montserrat"/>
+                <a:ea typeface="Montserrat"/>
+                <a:cs typeface="Montserrat"/>
+                <a:sym typeface="Montserrat"/>
+              </a:rPr>
+              <a:t>}</a:t>
+            </a:r>
+            <a:endParaRPr>
+              <a:latin typeface="Montserrat"/>
+              <a:ea typeface="Montserrat"/>
+              <a:cs typeface="Montserrat"/>
+              <a:sym typeface="Montserrat"/>
+            </a:endParaRPr>
           </a:p>
         </p:txBody>
       </p:sp>
@@ -7911,7 +10118,7 @@
   <p:cSld>
     <p:spTree>
       <p:nvGrpSpPr>
-        <p:cNvPr id="88" name="Shape 88"/>
+        <p:cNvPr id="94" name="Shape 94"/>
         <p:cNvGrpSpPr/>
         <p:nvPr/>
       </p:nvGrpSpPr>
@@ -7925,7 +10132,7 @@
       </p:grpSpPr>
       <p:sp>
         <p:nvSpPr>
-          <p:cNvPr id="89" name="Google Shape;89;p18"/>
+          <p:cNvPr id="95" name="Google Shape;95;p18"/>
           <p:cNvSpPr txBox="1"/>
           <p:nvPr>
             <p:ph type="title"/>
@@ -7956,142 +10163,50 @@
               <a:buNone/>
             </a:pPr>
             <a:r>
-              <a:rPr lang="ru"/>
-              <a:t>Сложность</a:t>
+              <a:rPr b="1" lang="ru">
+                <a:latin typeface="Montserrat"/>
+                <a:ea typeface="Montserrat"/>
+                <a:cs typeface="Montserrat"/>
+                <a:sym typeface="Montserrat"/>
+              </a:rPr>
+              <a:t>Тестирование</a:t>
             </a:r>
-            <a:endParaRPr/>
+            <a:endParaRPr b="1">
+              <a:latin typeface="Montserrat"/>
+              <a:ea typeface="Montserrat"/>
+              <a:cs typeface="Montserrat"/>
+              <a:sym typeface="Montserrat"/>
+            </a:endParaRPr>
           </a:p>
         </p:txBody>
       </p:sp>
-      <p:sp>
-        <p:nvSpPr>
-          <p:cNvPr id="90" name="Google Shape;90;p18"/>
-          <p:cNvSpPr txBox="1"/>
-          <p:nvPr>
-            <p:ph idx="1" type="body"/>
-          </p:nvPr>
-        </p:nvSpPr>
+      <p:pic>
+        <p:nvPicPr>
+          <p:cNvPr id="96" name="Google Shape;96;p18"/>
+          <p:cNvPicPr preferRelativeResize="0"/>
+          <p:nvPr/>
+        </p:nvPicPr>
+        <p:blipFill rotWithShape="1">
+          <a:blip r:embed="rId3">
+            <a:alphaModFix/>
+          </a:blip>
+          <a:srcRect b="17252" l="0" r="0" t="0"/>
+          <a:stretch/>
+        </p:blipFill>
         <p:spPr>
           <a:xfrm>
-            <a:off x="311700" y="1152475"/>
-            <a:ext cx="8520600" cy="3416400"/>
+            <a:off x="1181100" y="1147075"/>
+            <a:ext cx="6687675" cy="2983075"/>
           </a:xfrm>
           <a:prstGeom prst="rect">
             <a:avLst/>
           </a:prstGeom>
+          <a:noFill/>
+          <a:ln>
+            <a:noFill/>
+          </a:ln>
         </p:spPr>
-        <p:txBody>
-          <a:bodyPr anchorCtr="0" anchor="t" bIns="91425" lIns="91425" spcFirstLastPara="1" rIns="91425" wrap="square" tIns="91425">
-            <a:normAutofit/>
-          </a:bodyPr>
-          <a:lstStyle/>
-          <a:p>
-            <a:pPr indent="0" lvl="0" marL="0" rtl="0" algn="l">
-              <a:spcBef>
-                <a:spcPts val="0"/>
-              </a:spcBef>
-              <a:spcAft>
-                <a:spcPts val="0"/>
-              </a:spcAft>
-              <a:buClr>
-                <a:schemeClr val="dk1"/>
-              </a:buClr>
-              <a:buSzPts val="1100"/>
-              <a:buFont typeface="Arial"/>
-              <a:buNone/>
-            </a:pPr>
-            <a:r>
-              <a:rPr b="1" lang="ru" sz="1500">
-                <a:solidFill>
-                  <a:schemeClr val="dk1"/>
-                </a:solidFill>
-              </a:rPr>
-              <a:t>Временная:</a:t>
-            </a:r>
-            <a:r>
-              <a:rPr lang="ru" sz="1500">
-                <a:solidFill>
-                  <a:schemeClr val="dk1"/>
-                </a:solidFill>
-              </a:rPr>
-              <a:t> в худшем случае экспоненциальная O(k·n!), но для n≲15 работает быстро благодаря отсечению по </a:t>
-            </a:r>
-            <a:r>
-              <a:rPr lang="ru" sz="1500">
-                <a:solidFill>
-                  <a:srgbClr val="188038"/>
-                </a:solidFill>
-                <a:latin typeface="Roboto Mono"/>
-                <a:ea typeface="Roboto Mono"/>
-                <a:cs typeface="Roboto Mono"/>
-                <a:sym typeface="Roboto Mono"/>
-              </a:rPr>
-              <a:t>usedIndices</a:t>
-            </a:r>
-            <a:endParaRPr sz="1500">
-              <a:solidFill>
-                <a:srgbClr val="188038"/>
-              </a:solidFill>
-              <a:latin typeface="Roboto Mono"/>
-              <a:ea typeface="Roboto Mono"/>
-              <a:cs typeface="Roboto Mono"/>
-              <a:sym typeface="Roboto Mono"/>
-            </a:endParaRPr>
-          </a:p>
-          <a:p>
-            <a:pPr indent="0" lvl="0" marL="0" rtl="0" algn="l">
-              <a:spcBef>
-                <a:spcPts val="1200"/>
-              </a:spcBef>
-              <a:spcAft>
-                <a:spcPts val="0"/>
-              </a:spcAft>
-              <a:buClr>
-                <a:schemeClr val="dk1"/>
-              </a:buClr>
-              <a:buSzPts val="1100"/>
-              <a:buFont typeface="Arial"/>
-              <a:buNone/>
-            </a:pPr>
-            <a:r>
-              <a:rPr b="1" lang="ru" sz="1500">
-                <a:solidFill>
-                  <a:schemeClr val="dk1"/>
-                </a:solidFill>
-              </a:rPr>
-              <a:t>Память:</a:t>
-            </a:r>
-            <a:r>
-              <a:rPr lang="ru" sz="1500">
-                <a:solidFill>
-                  <a:schemeClr val="dk1"/>
-                </a:solidFill>
-              </a:rPr>
-              <a:t> O(n) для графа + O(d) стек рекурсии (d≤n)</a:t>
-            </a:r>
-            <a:endParaRPr sz="1500">
-              <a:solidFill>
-                <a:schemeClr val="dk1"/>
-              </a:solidFill>
-            </a:endParaRPr>
-          </a:p>
-          <a:p>
-            <a:pPr indent="0" lvl="0" marL="0" rtl="0" algn="l">
-              <a:spcBef>
-                <a:spcPts val="1200"/>
-              </a:spcBef>
-              <a:spcAft>
-                <a:spcPts val="1200"/>
-              </a:spcAft>
-              <a:buNone/>
-            </a:pPr>
-            <a:r>
-              <a:t/>
-            </a:r>
-            <a:endParaRPr/>
-          </a:p>
-        </p:txBody>
-      </p:sp>
+      </p:pic>
     </p:spTree>
   </p:cSld>
   <p:clrMapOvr>
@@ -8105,7 +10220,7 @@
   <p:cSld>
     <p:spTree>
       <p:nvGrpSpPr>
-        <p:cNvPr id="94" name="Shape 94"/>
+        <p:cNvPr id="100" name="Shape 100"/>
         <p:cNvGrpSpPr/>
         <p:nvPr/>
       </p:nvGrpSpPr>
@@ -8119,7 +10234,7 @@
       </p:grpSpPr>
       <p:sp>
         <p:nvSpPr>
-          <p:cNvPr id="95" name="Google Shape;95;p19"/>
+          <p:cNvPr id="101" name="Google Shape;101;p19"/>
           <p:cNvSpPr txBox="1"/>
           <p:nvPr>
             <p:ph type="title"/>
@@ -8150,8 +10265,179 @@
               <a:buNone/>
             </a:pPr>
             <a:r>
+              <a:rPr b="1" lang="ru">
+                <a:latin typeface="Montserrat"/>
+                <a:ea typeface="Montserrat"/>
+                <a:cs typeface="Montserrat"/>
+                <a:sym typeface="Montserrat"/>
+              </a:rPr>
+              <a:t>Демонстрация</a:t>
+            </a:r>
+            <a:endParaRPr b="1">
+              <a:latin typeface="Montserrat"/>
+              <a:ea typeface="Montserrat"/>
+              <a:cs typeface="Montserrat"/>
+              <a:sym typeface="Montserrat"/>
+            </a:endParaRPr>
+          </a:p>
+        </p:txBody>
+      </p:sp>
+      <p:pic>
+        <p:nvPicPr>
+          <p:cNvPr id="102" name="Google Shape;102;p19"/>
+          <p:cNvPicPr preferRelativeResize="0"/>
+          <p:nvPr/>
+        </p:nvPicPr>
+        <p:blipFill rotWithShape="1">
+          <a:blip r:embed="rId3">
+            <a:alphaModFix/>
+          </a:blip>
+          <a:srcRect b="0" l="0" r="3372" t="0"/>
+          <a:stretch/>
+        </p:blipFill>
+        <p:spPr>
+          <a:xfrm>
+            <a:off x="4690000" y="1152475"/>
+            <a:ext cx="4307300" cy="2400300"/>
+          </a:xfrm>
+          <a:prstGeom prst="rect">
+            <a:avLst/>
+          </a:prstGeom>
+          <a:noFill/>
+          <a:ln>
+            <a:noFill/>
+          </a:ln>
+        </p:spPr>
+      </p:pic>
+      <p:sp>
+        <p:nvSpPr>
+          <p:cNvPr id="103" name="Google Shape;103;p19"/>
+          <p:cNvSpPr txBox="1"/>
+          <p:nvPr>
+            <p:ph type="title"/>
+          </p:nvPr>
+        </p:nvSpPr>
+        <p:spPr>
+          <a:xfrm>
+            <a:off x="279850" y="3545175"/>
+            <a:ext cx="8520600" cy="572700"/>
+          </a:xfrm>
+          <a:prstGeom prst="rect">
+            <a:avLst/>
+          </a:prstGeom>
+        </p:spPr>
+        <p:txBody>
+          <a:bodyPr anchorCtr="0" anchor="t" bIns="91425" lIns="91425" spcFirstLastPara="1" rIns="91425" wrap="square" tIns="91425">
+            <a:normAutofit fontScale="90000"/>
+          </a:bodyPr>
+          <a:lstStyle/>
+          <a:p>
+            <a:pPr indent="0" lvl="0" marL="0" rtl="0" algn="l">
+              <a:spcBef>
+                <a:spcPts val="0"/>
+              </a:spcBef>
+              <a:spcAft>
+                <a:spcPts val="0"/>
+              </a:spcAft>
+              <a:buNone/>
+            </a:pPr>
+            <a:r>
+              <a:rPr b="1" lang="ru">
+                <a:latin typeface="Montserrat"/>
+                <a:ea typeface="Montserrat"/>
+                <a:cs typeface="Montserrat"/>
+                <a:sym typeface="Montserrat"/>
+              </a:rPr>
+              <a:t>Сложность</a:t>
+            </a:r>
+            <a:endParaRPr b="1">
+              <a:latin typeface="Montserrat"/>
+              <a:ea typeface="Montserrat"/>
+              <a:cs typeface="Montserrat"/>
+              <a:sym typeface="Montserrat"/>
+            </a:endParaRPr>
+          </a:p>
+        </p:txBody>
+      </p:sp>
+      <p:sp>
+        <p:nvSpPr>
+          <p:cNvPr id="104" name="Google Shape;104;p19"/>
+          <p:cNvSpPr txBox="1"/>
+          <p:nvPr/>
+        </p:nvSpPr>
+        <p:spPr>
+          <a:xfrm>
+            <a:off x="353700" y="4117875"/>
+            <a:ext cx="3000000" cy="400200"/>
+          </a:xfrm>
+          <a:prstGeom prst="rect">
+            <a:avLst/>
+          </a:prstGeom>
+          <a:noFill/>
+          <a:ln>
+            <a:noFill/>
+          </a:ln>
+        </p:spPr>
+        <p:txBody>
+          <a:bodyPr anchorCtr="0" anchor="t" bIns="91425" lIns="91425" spcFirstLastPara="1" rIns="91425" wrap="square" tIns="91425">
+            <a:spAutoFit/>
+          </a:bodyPr>
+          <a:lstStyle/>
+          <a:p>
+            <a:pPr indent="0" lvl="0" marL="0" rtl="0" algn="l">
+              <a:spcBef>
+                <a:spcPts val="0"/>
+              </a:spcBef>
+              <a:spcAft>
+                <a:spcPts val="0"/>
+              </a:spcAft>
+              <a:buNone/>
+            </a:pPr>
+            <a:r>
               <a:rPr lang="ru"/>
-              <a:t>Тестирование</a:t>
+              <a:t>Временная сложность: O(N!)</a:t>
+            </a:r>
+            <a:endParaRPr/>
+          </a:p>
+        </p:txBody>
+      </p:sp>
+      <p:sp>
+        <p:nvSpPr>
+          <p:cNvPr id="105" name="Google Shape;105;p19"/>
+          <p:cNvSpPr txBox="1"/>
+          <p:nvPr/>
+        </p:nvSpPr>
+        <p:spPr>
+          <a:xfrm>
+            <a:off x="375025" y="4444925"/>
+            <a:ext cx="3000000" cy="400200"/>
+          </a:xfrm>
+          <a:prstGeom prst="rect">
+            <a:avLst/>
+          </a:prstGeom>
+          <a:noFill/>
+          <a:ln>
+            <a:noFill/>
+          </a:ln>
+        </p:spPr>
+        <p:txBody>
+          <a:bodyPr anchorCtr="0" anchor="t" bIns="91425" lIns="91425" spcFirstLastPara="1" rIns="91425" wrap="square" tIns="91425">
+            <a:spAutoFit/>
+          </a:bodyPr>
+          <a:lstStyle/>
+          <a:p>
+            <a:pPr indent="0" lvl="0" marL="0" rtl="0" algn="l">
+              <a:spcBef>
+                <a:spcPts val="0"/>
+              </a:spcBef>
+              <a:spcAft>
+                <a:spcPts val="0"/>
+              </a:spcAft>
+              <a:buNone/>
+            </a:pPr>
+            <a:r>
+              <a:rPr lang="ru"/>
+              <a:t>Памятная сложность: O(N)</a:t>
             </a:r>
             <a:endParaRPr/>
           </a:p>
@@ -8159,12 +10445,39 @@
       </p:sp>
       <p:pic>
         <p:nvPicPr>
-          <p:cNvPr id="96" name="Google Shape;96;p19"/>
+          <p:cNvPr id="106" name="Google Shape;106;p19"/>
+          <p:cNvPicPr preferRelativeResize="0"/>
+          <p:nvPr/>
+        </p:nvPicPr>
+        <p:blipFill rotWithShape="1">
+          <a:blip r:embed="rId4">
+            <a:alphaModFix/>
+          </a:blip>
+          <a:srcRect b="0" l="0" r="21899" t="0"/>
+          <a:stretch/>
+        </p:blipFill>
+        <p:spPr>
+          <a:xfrm>
+            <a:off x="279850" y="1152475"/>
+            <a:ext cx="4378478" cy="1419275"/>
+          </a:xfrm>
+          <a:prstGeom prst="rect">
+            <a:avLst/>
+          </a:prstGeom>
+          <a:noFill/>
+          <a:ln>
+            <a:noFill/>
+          </a:ln>
+        </p:spPr>
+      </p:pic>
+      <p:pic>
+        <p:nvPicPr>
+          <p:cNvPr id="107" name="Google Shape;107;p19"/>
           <p:cNvPicPr preferRelativeResize="0"/>
           <p:nvPr/>
         </p:nvPicPr>
         <p:blipFill>
-          <a:blip r:embed="rId3">
+          <a:blip r:embed="rId5">
             <a:alphaModFix/>
           </a:blip>
           <a:stretch>
@@ -8173,8 +10486,8 @@
         </p:blipFill>
         <p:spPr>
           <a:xfrm>
-            <a:off x="1181100" y="1147075"/>
-            <a:ext cx="6687675" cy="3605075"/>
+            <a:off x="279850" y="2571750"/>
+            <a:ext cx="4378474" cy="1108474"/>
           </a:xfrm>
           <a:prstGeom prst="rect">
             <a:avLst/>
@@ -8198,7 +10511,7 @@
   <p:cSld>
     <p:spTree>
       <p:nvGrpSpPr>
-        <p:cNvPr id="100" name="Shape 100"/>
+        <p:cNvPr id="111" name="Shape 111"/>
         <p:cNvGrpSpPr/>
         <p:nvPr/>
       </p:nvGrpSpPr>
@@ -8212,7 +10525,7 @@
       </p:grpSpPr>
       <p:sp>
         <p:nvSpPr>
-          <p:cNvPr id="101" name="Google Shape;101;p20"/>
+          <p:cNvPr id="112" name="Google Shape;112;p20"/>
           <p:cNvSpPr txBox="1"/>
           <p:nvPr>
             <p:ph type="title"/>
@@ -8229,7 +10542,7 @@
         </p:spPr>
         <p:txBody>
           <a:bodyPr anchorCtr="0" anchor="t" bIns="91425" lIns="91425" spcFirstLastPara="1" rIns="91425" wrap="square" tIns="91425">
-            <a:normAutofit fontScale="90000"/>
+            <a:noAutofit/>
           </a:bodyPr>
           <a:lstStyle/>
           <a:p>
@@ -8243,96 +10556,62 @@
               <a:buNone/>
             </a:pPr>
             <a:r>
-              <a:rPr lang="ru"/>
-              <a:t>Демонстрация</a:t>
+              <a:rPr b="1" lang="ru" sz="3600">
+                <a:latin typeface="Montserrat"/>
+                <a:ea typeface="Montserrat"/>
+                <a:cs typeface="Montserrat"/>
+                <a:sym typeface="Montserrat"/>
+              </a:rPr>
+              <a:t>Спасибо за внимание</a:t>
+            </a:r>
+            <a:endParaRPr b="1" sz="3600">
+              <a:latin typeface="Montserrat"/>
+              <a:ea typeface="Montserrat"/>
+              <a:cs typeface="Montserrat"/>
+              <a:sym typeface="Montserrat"/>
+            </a:endParaRPr>
+          </a:p>
+        </p:txBody>
+      </p:sp>
+      <p:sp>
+        <p:nvSpPr>
+          <p:cNvPr id="113" name="Google Shape;113;p20"/>
+          <p:cNvSpPr txBox="1"/>
+          <p:nvPr>
+            <p:ph idx="1" type="body"/>
+          </p:nvPr>
+        </p:nvSpPr>
+        <p:spPr>
+          <a:xfrm>
+            <a:off x="311700" y="1152475"/>
+            <a:ext cx="8520600" cy="3416400"/>
+          </a:xfrm>
+          <a:prstGeom prst="rect">
+            <a:avLst/>
+          </a:prstGeom>
+        </p:spPr>
+        <p:txBody>
+          <a:bodyPr anchorCtr="0" anchor="t" bIns="91425" lIns="91425" spcFirstLastPara="1" rIns="91425" wrap="square" tIns="91425">
+            <a:normAutofit/>
+          </a:bodyPr>
+          <a:lstStyle/>
+          <a:p>
+            <a:pPr indent="0" lvl="0" marL="0" rtl="0" algn="l">
+              <a:spcBef>
+                <a:spcPts val="0"/>
+              </a:spcBef>
+              <a:spcAft>
+                <a:spcPts val="1200"/>
+              </a:spcAft>
+              <a:buNone/>
+            </a:pPr>
+            <a:r>
+              <a:t/>
             </a:r>
             <a:endParaRPr/>
           </a:p>
         </p:txBody>
       </p:sp>
-      <p:pic>
-        <p:nvPicPr>
-          <p:cNvPr id="102" name="Google Shape;102;p20"/>
-          <p:cNvPicPr preferRelativeResize="0"/>
-          <p:nvPr/>
-        </p:nvPicPr>
-        <p:blipFill>
-          <a:blip r:embed="rId3">
-            <a:alphaModFix/>
-          </a:blip>
-          <a:stretch>
-            <a:fillRect/>
-          </a:stretch>
-        </p:blipFill>
-        <p:spPr>
-          <a:xfrm>
-            <a:off x="311688" y="1184075"/>
-            <a:ext cx="4619625" cy="1009650"/>
-          </a:xfrm>
-          <a:prstGeom prst="rect">
-            <a:avLst/>
-          </a:prstGeom>
-          <a:noFill/>
-          <a:ln>
-            <a:noFill/>
-          </a:ln>
-        </p:spPr>
-      </p:pic>
-      <p:pic>
-        <p:nvPicPr>
-          <p:cNvPr id="103" name="Google Shape;103;p20"/>
-          <p:cNvPicPr preferRelativeResize="0"/>
-          <p:nvPr/>
-        </p:nvPicPr>
-        <p:blipFill>
-          <a:blip r:embed="rId4">
-            <a:alphaModFix/>
-          </a:blip>
-          <a:stretch>
-            <a:fillRect/>
-          </a:stretch>
-        </p:blipFill>
-        <p:spPr>
-          <a:xfrm>
-            <a:off x="311688" y="2288425"/>
-            <a:ext cx="4619625" cy="1009650"/>
-          </a:xfrm>
-          <a:prstGeom prst="rect">
-            <a:avLst/>
-          </a:prstGeom>
-          <a:noFill/>
-          <a:ln>
-            <a:noFill/>
-          </a:ln>
-        </p:spPr>
-      </p:pic>
-      <p:pic>
-        <p:nvPicPr>
-          <p:cNvPr id="104" name="Google Shape;104;p20"/>
-          <p:cNvPicPr preferRelativeResize="0"/>
-          <p:nvPr/>
-        </p:nvPicPr>
-        <p:blipFill rotWithShape="1">
-          <a:blip r:embed="rId5">
-            <a:alphaModFix/>
-          </a:blip>
-          <a:srcRect b="0" l="0" r="3372" t="0"/>
-          <a:stretch/>
-        </p:blipFill>
-        <p:spPr>
-          <a:xfrm>
-            <a:off x="4690000" y="1152475"/>
-            <a:ext cx="4307300" cy="2400300"/>
-          </a:xfrm>
-          <a:prstGeom prst="rect">
-            <a:avLst/>
-          </a:prstGeom>
-          <a:noFill/>
-          <a:ln>
-            <a:noFill/>
-          </a:ln>
-        </p:spPr>
-      </p:pic>
     </p:spTree>
   </p:cSld>
   <p:clrMapOvr>
